--- a/Slides/Module 4 - URLs.pptx
+++ b/Slides/Module 4 - URLs.pptx
@@ -237,7 +237,7 @@
           <a:p>
             <a:fld id="{312E7B4A-039C-48A2-9B2C-AF16AA3873D8}" type="datetimeFigureOut">
               <a:rPr lang="en-US" smtClean="0"/>
-              <a:t>6/10/2015</a:t>
+              <a:t>6/16/2015</a:t>
             </a:fld>
             <a:endParaRPr lang="en-US"/>
           </a:p>
@@ -402,7 +402,7 @@
           <a:p>
             <a:fld id="{DA005A0C-54D9-45AA-87D4-C551D08DFCE1}" type="datetimeFigureOut">
               <a:rPr lang="en-US" smtClean="0"/>
-              <a:t>6/10/2015</a:t>
+              <a:t>6/16/2015</a:t>
             </a:fld>
             <a:endParaRPr lang="en-US"/>
           </a:p>
@@ -3628,11 +3628,7 @@
             </a:r>
             <a:r>
               <a:rPr lang="en-US" dirty="0" smtClean="0"/>
-              <a:t>| </a:t>
-            </a:r>
-            <a:r>
-              <a:rPr lang="en-US" dirty="0" smtClean="0"/>
-              <a:t>URLs and routing</a:t>
+              <a:t>| URLs and routing</a:t>
             </a:r>
             <a:endParaRPr lang="en-US" dirty="0"/>
           </a:p>
@@ -4366,7 +4362,110 @@
   <p:timing>
     <p:tnLst>
       <p:par>
-        <p:cTn id="1" dur="indefinite" restart="never" nodeType="tmRoot"/>
+        <p:cTn id="1" dur="indefinite" restart="never" nodeType="tmRoot">
+          <p:childTnLst>
+            <p:seq concurrent="1" nextAc="seek">
+              <p:cTn id="2" dur="indefinite" nodeType="mainSeq">
+                <p:childTnLst>
+                  <p:par>
+                    <p:cTn id="3" fill="hold">
+                      <p:stCondLst>
+                        <p:cond delay="indefinite"/>
+                      </p:stCondLst>
+                      <p:childTnLst>
+                        <p:par>
+                          <p:cTn id="4" fill="hold">
+                            <p:stCondLst>
+                              <p:cond delay="0"/>
+                            </p:stCondLst>
+                            <p:childTnLst>
+                              <p:par>
+                                <p:cTn id="5" presetID="1" presetClass="entr" presetSubtype="0" fill="hold" nodeType="clickEffect">
+                                  <p:stCondLst>
+                                    <p:cond delay="0"/>
+                                  </p:stCondLst>
+                                  <p:childTnLst>
+                                    <p:set>
+                                      <p:cBhvr>
+                                        <p:cTn id="6" dur="1" fill="hold">
+                                          <p:stCondLst>
+                                            <p:cond delay="0"/>
+                                          </p:stCondLst>
+                                        </p:cTn>
+                                        <p:tgtEl>
+                                          <p:spTgt spid="6">
+                                            <p:txEl>
+                                              <p:pRg st="3" end="3"/>
+                                            </p:txEl>
+                                          </p:spTgt>
+                                        </p:tgtEl>
+                                        <p:attrNameLst>
+                                          <p:attrName>style.visibility</p:attrName>
+                                        </p:attrNameLst>
+                                      </p:cBhvr>
+                                      <p:to>
+                                        <p:strVal val="visible"/>
+                                      </p:to>
+                                    </p:set>
+                                  </p:childTnLst>
+                                </p:cTn>
+                              </p:par>
+                              <p:par>
+                                <p:cTn id="7" presetID="1" presetClass="entr" presetSubtype="0" fill="hold" nodeType="withEffect">
+                                  <p:stCondLst>
+                                    <p:cond delay="0"/>
+                                  </p:stCondLst>
+                                  <p:childTnLst>
+                                    <p:set>
+                                      <p:cBhvr>
+                                        <p:cTn id="8" dur="1" fill="hold">
+                                          <p:stCondLst>
+                                            <p:cond delay="0"/>
+                                          </p:stCondLst>
+                                        </p:cTn>
+                                        <p:tgtEl>
+                                          <p:spTgt spid="6">
+                                            <p:txEl>
+                                              <p:pRg st="4" end="4"/>
+                                            </p:txEl>
+                                          </p:spTgt>
+                                        </p:tgtEl>
+                                        <p:attrNameLst>
+                                          <p:attrName>style.visibility</p:attrName>
+                                        </p:attrNameLst>
+                                      </p:cBhvr>
+                                      <p:to>
+                                        <p:strVal val="visible"/>
+                                      </p:to>
+                                    </p:set>
+                                  </p:childTnLst>
+                                </p:cTn>
+                              </p:par>
+                            </p:childTnLst>
+                          </p:cTn>
+                        </p:par>
+                      </p:childTnLst>
+                    </p:cTn>
+                  </p:par>
+                </p:childTnLst>
+              </p:cTn>
+              <p:prevCondLst>
+                <p:cond evt="onPrev" delay="0">
+                  <p:tgtEl>
+                    <p:sldTgt/>
+                  </p:tgtEl>
+                </p:cond>
+              </p:prevCondLst>
+              <p:nextCondLst>
+                <p:cond evt="onNext" delay="0">
+                  <p:tgtEl>
+                    <p:sldTgt/>
+                  </p:tgtEl>
+                </p:cond>
+              </p:nextCondLst>
+            </p:seq>
+          </p:childTnLst>
+        </p:cTn>
       </p:par>
     </p:tnLst>
   </p:timing>
@@ -4613,7 +4712,110 @@
   <p:timing>
     <p:tnLst>
       <p:par>
-        <p:cTn id="1" dur="indefinite" restart="never" nodeType="tmRoot"/>
+        <p:cTn id="1" dur="indefinite" restart="never" nodeType="tmRoot">
+          <p:childTnLst>
+            <p:seq concurrent="1" nextAc="seek">
+              <p:cTn id="2" dur="indefinite" nodeType="mainSeq">
+                <p:childTnLst>
+                  <p:par>
+                    <p:cTn id="3" fill="hold">
+                      <p:stCondLst>
+                        <p:cond delay="indefinite"/>
+                      </p:stCondLst>
+                      <p:childTnLst>
+                        <p:par>
+                          <p:cTn id="4" fill="hold">
+                            <p:stCondLst>
+                              <p:cond delay="0"/>
+                            </p:stCondLst>
+                            <p:childTnLst>
+                              <p:par>
+                                <p:cTn id="5" presetID="1" presetClass="entr" presetSubtype="0" fill="hold" nodeType="clickEffect">
+                                  <p:stCondLst>
+                                    <p:cond delay="0"/>
+                                  </p:stCondLst>
+                                  <p:childTnLst>
+                                    <p:set>
+                                      <p:cBhvr>
+                                        <p:cTn id="6" dur="1" fill="hold">
+                                          <p:stCondLst>
+                                            <p:cond delay="0"/>
+                                          </p:stCondLst>
+                                        </p:cTn>
+                                        <p:tgtEl>
+                                          <p:spTgt spid="6">
+                                            <p:txEl>
+                                              <p:pRg st="3" end="3"/>
+                                            </p:txEl>
+                                          </p:spTgt>
+                                        </p:tgtEl>
+                                        <p:attrNameLst>
+                                          <p:attrName>style.visibility</p:attrName>
+                                        </p:attrNameLst>
+                                      </p:cBhvr>
+                                      <p:to>
+                                        <p:strVal val="visible"/>
+                                      </p:to>
+                                    </p:set>
+                                  </p:childTnLst>
+                                </p:cTn>
+                              </p:par>
+                              <p:par>
+                                <p:cTn id="7" presetID="1" presetClass="entr" presetSubtype="0" fill="hold" nodeType="withEffect">
+                                  <p:stCondLst>
+                                    <p:cond delay="0"/>
+                                  </p:stCondLst>
+                                  <p:childTnLst>
+                                    <p:set>
+                                      <p:cBhvr>
+                                        <p:cTn id="8" dur="1" fill="hold">
+                                          <p:stCondLst>
+                                            <p:cond delay="0"/>
+                                          </p:stCondLst>
+                                        </p:cTn>
+                                        <p:tgtEl>
+                                          <p:spTgt spid="6">
+                                            <p:txEl>
+                                              <p:pRg st="4" end="4"/>
+                                            </p:txEl>
+                                          </p:spTgt>
+                                        </p:tgtEl>
+                                        <p:attrNameLst>
+                                          <p:attrName>style.visibility</p:attrName>
+                                        </p:attrNameLst>
+                                      </p:cBhvr>
+                                      <p:to>
+                                        <p:strVal val="visible"/>
+                                      </p:to>
+                                    </p:set>
+                                  </p:childTnLst>
+                                </p:cTn>
+                              </p:par>
+                            </p:childTnLst>
+                          </p:cTn>
+                        </p:par>
+                      </p:childTnLst>
+                    </p:cTn>
+                  </p:par>
+                </p:childTnLst>
+              </p:cTn>
+              <p:prevCondLst>
+                <p:cond evt="onPrev" delay="0">
+                  <p:tgtEl>
+                    <p:sldTgt/>
+                  </p:tgtEl>
+                </p:cond>
+              </p:prevCondLst>
+              <p:nextCondLst>
+                <p:cond evt="onNext" delay="0">
+                  <p:tgtEl>
+                    <p:sldTgt/>
+                  </p:tgtEl>
+                </p:cond>
+              </p:nextCondLst>
+            </p:seq>
+          </p:childTnLst>
+        </p:cTn>
       </p:par>
     </p:tnLst>
   </p:timing>
@@ -4868,7 +5070,110 @@
   <p:timing>
     <p:tnLst>
       <p:par>
-        <p:cTn id="1" dur="indefinite" restart="never" nodeType="tmRoot"/>
+        <p:cTn id="1" dur="indefinite" restart="never" nodeType="tmRoot">
+          <p:childTnLst>
+            <p:seq concurrent="1" nextAc="seek">
+              <p:cTn id="2" dur="indefinite" nodeType="mainSeq">
+                <p:childTnLst>
+                  <p:par>
+                    <p:cTn id="3" fill="hold">
+                      <p:stCondLst>
+                        <p:cond delay="indefinite"/>
+                      </p:stCondLst>
+                      <p:childTnLst>
+                        <p:par>
+                          <p:cTn id="4" fill="hold">
+                            <p:stCondLst>
+                              <p:cond delay="0"/>
+                            </p:stCondLst>
+                            <p:childTnLst>
+                              <p:par>
+                                <p:cTn id="5" presetID="1" presetClass="entr" presetSubtype="0" fill="hold" nodeType="clickEffect">
+                                  <p:stCondLst>
+                                    <p:cond delay="0"/>
+                                  </p:stCondLst>
+                                  <p:childTnLst>
+                                    <p:set>
+                                      <p:cBhvr>
+                                        <p:cTn id="6" dur="1" fill="hold">
+                                          <p:stCondLst>
+                                            <p:cond delay="0"/>
+                                          </p:stCondLst>
+                                        </p:cTn>
+                                        <p:tgtEl>
+                                          <p:spTgt spid="6">
+                                            <p:txEl>
+                                              <p:pRg st="3" end="3"/>
+                                            </p:txEl>
+                                          </p:spTgt>
+                                        </p:tgtEl>
+                                        <p:attrNameLst>
+                                          <p:attrName>style.visibility</p:attrName>
+                                        </p:attrNameLst>
+                                      </p:cBhvr>
+                                      <p:to>
+                                        <p:strVal val="visible"/>
+                                      </p:to>
+                                    </p:set>
+                                  </p:childTnLst>
+                                </p:cTn>
+                              </p:par>
+                              <p:par>
+                                <p:cTn id="7" presetID="1" presetClass="entr" presetSubtype="0" fill="hold" nodeType="withEffect">
+                                  <p:stCondLst>
+                                    <p:cond delay="0"/>
+                                  </p:stCondLst>
+                                  <p:childTnLst>
+                                    <p:set>
+                                      <p:cBhvr>
+                                        <p:cTn id="8" dur="1" fill="hold">
+                                          <p:stCondLst>
+                                            <p:cond delay="0"/>
+                                          </p:stCondLst>
+                                        </p:cTn>
+                                        <p:tgtEl>
+                                          <p:spTgt spid="6">
+                                            <p:txEl>
+                                              <p:pRg st="4" end="4"/>
+                                            </p:txEl>
+                                          </p:spTgt>
+                                        </p:tgtEl>
+                                        <p:attrNameLst>
+                                          <p:attrName>style.visibility</p:attrName>
+                                        </p:attrNameLst>
+                                      </p:cBhvr>
+                                      <p:to>
+                                        <p:strVal val="visible"/>
+                                      </p:to>
+                                    </p:set>
+                                  </p:childTnLst>
+                                </p:cTn>
+                              </p:par>
+                            </p:childTnLst>
+                          </p:cTn>
+                        </p:par>
+                      </p:childTnLst>
+                    </p:cTn>
+                  </p:par>
+                </p:childTnLst>
+              </p:cTn>
+              <p:prevCondLst>
+                <p:cond evt="onPrev" delay="0">
+                  <p:tgtEl>
+                    <p:sldTgt/>
+                  </p:tgtEl>
+                </p:cond>
+              </p:prevCondLst>
+              <p:nextCondLst>
+                <p:cond evt="onNext" delay="0">
+                  <p:tgtEl>
+                    <p:sldTgt/>
+                  </p:tgtEl>
+                </p:cond>
+              </p:nextCondLst>
+            </p:seq>
+          </p:childTnLst>
+        </p:cTn>
       </p:par>
     </p:tnLst>
   </p:timing>
@@ -5123,7 +5428,110 @@
   <p:timing>
     <p:tnLst>
       <p:par>
-        <p:cTn id="1" dur="indefinite" restart="never" nodeType="tmRoot"/>
+        <p:cTn id="1" dur="indefinite" restart="never" nodeType="tmRoot">
+          <p:childTnLst>
+            <p:seq concurrent="1" nextAc="seek">
+              <p:cTn id="2" dur="indefinite" nodeType="mainSeq">
+                <p:childTnLst>
+                  <p:par>
+                    <p:cTn id="3" fill="hold">
+                      <p:stCondLst>
+                        <p:cond delay="indefinite"/>
+                      </p:stCondLst>
+                      <p:childTnLst>
+                        <p:par>
+                          <p:cTn id="4" fill="hold">
+                            <p:stCondLst>
+                              <p:cond delay="0"/>
+                            </p:stCondLst>
+                            <p:childTnLst>
+                              <p:par>
+                                <p:cTn id="5" presetID="1" presetClass="entr" presetSubtype="0" fill="hold" nodeType="clickEffect">
+                                  <p:stCondLst>
+                                    <p:cond delay="0"/>
+                                  </p:stCondLst>
+                                  <p:childTnLst>
+                                    <p:set>
+                                      <p:cBhvr>
+                                        <p:cTn id="6" dur="1" fill="hold">
+                                          <p:stCondLst>
+                                            <p:cond delay="0"/>
+                                          </p:stCondLst>
+                                        </p:cTn>
+                                        <p:tgtEl>
+                                          <p:spTgt spid="6">
+                                            <p:txEl>
+                                              <p:pRg st="3" end="3"/>
+                                            </p:txEl>
+                                          </p:spTgt>
+                                        </p:tgtEl>
+                                        <p:attrNameLst>
+                                          <p:attrName>style.visibility</p:attrName>
+                                        </p:attrNameLst>
+                                      </p:cBhvr>
+                                      <p:to>
+                                        <p:strVal val="visible"/>
+                                      </p:to>
+                                    </p:set>
+                                  </p:childTnLst>
+                                </p:cTn>
+                              </p:par>
+                              <p:par>
+                                <p:cTn id="7" presetID="1" presetClass="entr" presetSubtype="0" fill="hold" nodeType="withEffect">
+                                  <p:stCondLst>
+                                    <p:cond delay="0"/>
+                                  </p:stCondLst>
+                                  <p:childTnLst>
+                                    <p:set>
+                                      <p:cBhvr>
+                                        <p:cTn id="8" dur="1" fill="hold">
+                                          <p:stCondLst>
+                                            <p:cond delay="0"/>
+                                          </p:stCondLst>
+                                        </p:cTn>
+                                        <p:tgtEl>
+                                          <p:spTgt spid="6">
+                                            <p:txEl>
+                                              <p:pRg st="4" end="4"/>
+                                            </p:txEl>
+                                          </p:spTgt>
+                                        </p:tgtEl>
+                                        <p:attrNameLst>
+                                          <p:attrName>style.visibility</p:attrName>
+                                        </p:attrNameLst>
+                                      </p:cBhvr>
+                                      <p:to>
+                                        <p:strVal val="visible"/>
+                                      </p:to>
+                                    </p:set>
+                                  </p:childTnLst>
+                                </p:cTn>
+                              </p:par>
+                            </p:childTnLst>
+                          </p:cTn>
+                        </p:par>
+                      </p:childTnLst>
+                    </p:cTn>
+                  </p:par>
+                </p:childTnLst>
+              </p:cTn>
+              <p:prevCondLst>
+                <p:cond evt="onPrev" delay="0">
+                  <p:tgtEl>
+                    <p:sldTgt/>
+                  </p:tgtEl>
+                </p:cond>
+              </p:prevCondLst>
+              <p:nextCondLst>
+                <p:cond evt="onNext" delay="0">
+                  <p:tgtEl>
+                    <p:sldTgt/>
+                  </p:tgtEl>
+                </p:cond>
+              </p:nextCondLst>
+            </p:seq>
+          </p:childTnLst>
+        </p:cTn>
       </p:par>
     </p:tnLst>
   </p:timing>
@@ -5374,7 +5782,110 @@
   <p:timing>
     <p:tnLst>
       <p:par>
-        <p:cTn id="1" dur="indefinite" restart="never" nodeType="tmRoot"/>
+        <p:cTn id="1" dur="indefinite" restart="never" nodeType="tmRoot">
+          <p:childTnLst>
+            <p:seq concurrent="1" nextAc="seek">
+              <p:cTn id="2" dur="indefinite" nodeType="mainSeq">
+                <p:childTnLst>
+                  <p:par>
+                    <p:cTn id="3" fill="hold">
+                      <p:stCondLst>
+                        <p:cond delay="indefinite"/>
+                      </p:stCondLst>
+                      <p:childTnLst>
+                        <p:par>
+                          <p:cTn id="4" fill="hold">
+                            <p:stCondLst>
+                              <p:cond delay="0"/>
+                            </p:stCondLst>
+                            <p:childTnLst>
+                              <p:par>
+                                <p:cTn id="5" presetID="1" presetClass="entr" presetSubtype="0" fill="hold" nodeType="clickEffect">
+                                  <p:stCondLst>
+                                    <p:cond delay="0"/>
+                                  </p:stCondLst>
+                                  <p:childTnLst>
+                                    <p:set>
+                                      <p:cBhvr>
+                                        <p:cTn id="6" dur="1" fill="hold">
+                                          <p:stCondLst>
+                                            <p:cond delay="0"/>
+                                          </p:stCondLst>
+                                        </p:cTn>
+                                        <p:tgtEl>
+                                          <p:spTgt spid="6">
+                                            <p:txEl>
+                                              <p:pRg st="3" end="3"/>
+                                            </p:txEl>
+                                          </p:spTgt>
+                                        </p:tgtEl>
+                                        <p:attrNameLst>
+                                          <p:attrName>style.visibility</p:attrName>
+                                        </p:attrNameLst>
+                                      </p:cBhvr>
+                                      <p:to>
+                                        <p:strVal val="visible"/>
+                                      </p:to>
+                                    </p:set>
+                                  </p:childTnLst>
+                                </p:cTn>
+                              </p:par>
+                              <p:par>
+                                <p:cTn id="7" presetID="1" presetClass="entr" presetSubtype="0" fill="hold" nodeType="withEffect">
+                                  <p:stCondLst>
+                                    <p:cond delay="0"/>
+                                  </p:stCondLst>
+                                  <p:childTnLst>
+                                    <p:set>
+                                      <p:cBhvr>
+                                        <p:cTn id="8" dur="1" fill="hold">
+                                          <p:stCondLst>
+                                            <p:cond delay="0"/>
+                                          </p:stCondLst>
+                                        </p:cTn>
+                                        <p:tgtEl>
+                                          <p:spTgt spid="6">
+                                            <p:txEl>
+                                              <p:pRg st="4" end="4"/>
+                                            </p:txEl>
+                                          </p:spTgt>
+                                        </p:tgtEl>
+                                        <p:attrNameLst>
+                                          <p:attrName>style.visibility</p:attrName>
+                                        </p:attrNameLst>
+                                      </p:cBhvr>
+                                      <p:to>
+                                        <p:strVal val="visible"/>
+                                      </p:to>
+                                    </p:set>
+                                  </p:childTnLst>
+                                </p:cTn>
+                              </p:par>
+                            </p:childTnLst>
+                          </p:cTn>
+                        </p:par>
+                      </p:childTnLst>
+                    </p:cTn>
+                  </p:par>
+                </p:childTnLst>
+              </p:cTn>
+              <p:prevCondLst>
+                <p:cond evt="onPrev" delay="0">
+                  <p:tgtEl>
+                    <p:sldTgt/>
+                  </p:tgtEl>
+                </p:cond>
+              </p:prevCondLst>
+              <p:nextCondLst>
+                <p:cond evt="onNext" delay="0">
+                  <p:tgtEl>
+                    <p:sldTgt/>
+                  </p:tgtEl>
+                </p:cond>
+              </p:nextCondLst>
+            </p:seq>
+          </p:childTnLst>
+        </p:cTn>
       </p:par>
     </p:tnLst>
   </p:timing>
@@ -5609,7 +6120,110 @@
   <p:timing>
     <p:tnLst>
       <p:par>
-        <p:cTn id="1" dur="indefinite" restart="never" nodeType="tmRoot"/>
+        <p:cTn id="1" dur="indefinite" restart="never" nodeType="tmRoot">
+          <p:childTnLst>
+            <p:seq concurrent="1" nextAc="seek">
+              <p:cTn id="2" dur="indefinite" nodeType="mainSeq">
+                <p:childTnLst>
+                  <p:par>
+                    <p:cTn id="3" fill="hold">
+                      <p:stCondLst>
+                        <p:cond delay="indefinite"/>
+                      </p:stCondLst>
+                      <p:childTnLst>
+                        <p:par>
+                          <p:cTn id="4" fill="hold">
+                            <p:stCondLst>
+                              <p:cond delay="0"/>
+                            </p:stCondLst>
+                            <p:childTnLst>
+                              <p:par>
+                                <p:cTn id="5" presetID="1" presetClass="entr" presetSubtype="0" fill="hold" nodeType="clickEffect">
+                                  <p:stCondLst>
+                                    <p:cond delay="0"/>
+                                  </p:stCondLst>
+                                  <p:childTnLst>
+                                    <p:set>
+                                      <p:cBhvr>
+                                        <p:cTn id="6" dur="1" fill="hold">
+                                          <p:stCondLst>
+                                            <p:cond delay="0"/>
+                                          </p:stCondLst>
+                                        </p:cTn>
+                                        <p:tgtEl>
+                                          <p:spTgt spid="6">
+                                            <p:txEl>
+                                              <p:pRg st="3" end="3"/>
+                                            </p:txEl>
+                                          </p:spTgt>
+                                        </p:tgtEl>
+                                        <p:attrNameLst>
+                                          <p:attrName>style.visibility</p:attrName>
+                                        </p:attrNameLst>
+                                      </p:cBhvr>
+                                      <p:to>
+                                        <p:strVal val="visible"/>
+                                      </p:to>
+                                    </p:set>
+                                  </p:childTnLst>
+                                </p:cTn>
+                              </p:par>
+                              <p:par>
+                                <p:cTn id="7" presetID="1" presetClass="entr" presetSubtype="0" fill="hold" nodeType="withEffect">
+                                  <p:stCondLst>
+                                    <p:cond delay="0"/>
+                                  </p:stCondLst>
+                                  <p:childTnLst>
+                                    <p:set>
+                                      <p:cBhvr>
+                                        <p:cTn id="8" dur="1" fill="hold">
+                                          <p:stCondLst>
+                                            <p:cond delay="0"/>
+                                          </p:stCondLst>
+                                        </p:cTn>
+                                        <p:tgtEl>
+                                          <p:spTgt spid="6">
+                                            <p:txEl>
+                                              <p:pRg st="4" end="4"/>
+                                            </p:txEl>
+                                          </p:spTgt>
+                                        </p:tgtEl>
+                                        <p:attrNameLst>
+                                          <p:attrName>style.visibility</p:attrName>
+                                        </p:attrNameLst>
+                                      </p:cBhvr>
+                                      <p:to>
+                                        <p:strVal val="visible"/>
+                                      </p:to>
+                                    </p:set>
+                                  </p:childTnLst>
+                                </p:cTn>
+                              </p:par>
+                            </p:childTnLst>
+                          </p:cTn>
+                        </p:par>
+                      </p:childTnLst>
+                    </p:cTn>
+                  </p:par>
+                </p:childTnLst>
+              </p:cTn>
+              <p:prevCondLst>
+                <p:cond evt="onPrev" delay="0">
+                  <p:tgtEl>
+                    <p:sldTgt/>
+                  </p:tgtEl>
+                </p:cond>
+              </p:prevCondLst>
+              <p:nextCondLst>
+                <p:cond evt="onNext" delay="0">
+                  <p:tgtEl>
+                    <p:sldTgt/>
+                  </p:tgtEl>
+                </p:cond>
+              </p:nextCondLst>
+            </p:seq>
+          </p:childTnLst>
+        </p:cTn>
       </p:par>
     </p:tnLst>
   </p:timing>
@@ -5856,7 +6470,110 @@
   <p:timing>
     <p:tnLst>
       <p:par>
-        <p:cTn id="1" dur="indefinite" restart="never" nodeType="tmRoot"/>
+        <p:cTn id="1" dur="indefinite" restart="never" nodeType="tmRoot">
+          <p:childTnLst>
+            <p:seq concurrent="1" nextAc="seek">
+              <p:cTn id="2" dur="indefinite" nodeType="mainSeq">
+                <p:childTnLst>
+                  <p:par>
+                    <p:cTn id="3" fill="hold">
+                      <p:stCondLst>
+                        <p:cond delay="indefinite"/>
+                      </p:stCondLst>
+                      <p:childTnLst>
+                        <p:par>
+                          <p:cTn id="4" fill="hold">
+                            <p:stCondLst>
+                              <p:cond delay="0"/>
+                            </p:stCondLst>
+                            <p:childTnLst>
+                              <p:par>
+                                <p:cTn id="5" presetID="1" presetClass="entr" presetSubtype="0" fill="hold" nodeType="clickEffect">
+                                  <p:stCondLst>
+                                    <p:cond delay="0"/>
+                                  </p:stCondLst>
+                                  <p:childTnLst>
+                                    <p:set>
+                                      <p:cBhvr>
+                                        <p:cTn id="6" dur="1" fill="hold">
+                                          <p:stCondLst>
+                                            <p:cond delay="0"/>
+                                          </p:stCondLst>
+                                        </p:cTn>
+                                        <p:tgtEl>
+                                          <p:spTgt spid="6">
+                                            <p:txEl>
+                                              <p:pRg st="3" end="3"/>
+                                            </p:txEl>
+                                          </p:spTgt>
+                                        </p:tgtEl>
+                                        <p:attrNameLst>
+                                          <p:attrName>style.visibility</p:attrName>
+                                        </p:attrNameLst>
+                                      </p:cBhvr>
+                                      <p:to>
+                                        <p:strVal val="visible"/>
+                                      </p:to>
+                                    </p:set>
+                                  </p:childTnLst>
+                                </p:cTn>
+                              </p:par>
+                              <p:par>
+                                <p:cTn id="7" presetID="1" presetClass="entr" presetSubtype="0" fill="hold" nodeType="withEffect">
+                                  <p:stCondLst>
+                                    <p:cond delay="0"/>
+                                  </p:stCondLst>
+                                  <p:childTnLst>
+                                    <p:set>
+                                      <p:cBhvr>
+                                        <p:cTn id="8" dur="1" fill="hold">
+                                          <p:stCondLst>
+                                            <p:cond delay="0"/>
+                                          </p:stCondLst>
+                                        </p:cTn>
+                                        <p:tgtEl>
+                                          <p:spTgt spid="6">
+                                            <p:txEl>
+                                              <p:pRg st="4" end="4"/>
+                                            </p:txEl>
+                                          </p:spTgt>
+                                        </p:tgtEl>
+                                        <p:attrNameLst>
+                                          <p:attrName>style.visibility</p:attrName>
+                                        </p:attrNameLst>
+                                      </p:cBhvr>
+                                      <p:to>
+                                        <p:strVal val="visible"/>
+                                      </p:to>
+                                    </p:set>
+                                  </p:childTnLst>
+                                </p:cTn>
+                              </p:par>
+                            </p:childTnLst>
+                          </p:cTn>
+                        </p:par>
+                      </p:childTnLst>
+                    </p:cTn>
+                  </p:par>
+                </p:childTnLst>
+              </p:cTn>
+              <p:prevCondLst>
+                <p:cond evt="onPrev" delay="0">
+                  <p:tgtEl>
+                    <p:sldTgt/>
+                  </p:tgtEl>
+                </p:cond>
+              </p:prevCondLst>
+              <p:nextCondLst>
+                <p:cond evt="onNext" delay="0">
+                  <p:tgtEl>
+                    <p:sldTgt/>
+                  </p:tgtEl>
+                </p:cond>
+              </p:nextCondLst>
+            </p:seq>
+          </p:childTnLst>
+        </p:cTn>
       </p:par>
     </p:tnLst>
   </p:timing>
@@ -5907,7 +6624,6 @@
               <a:rPr lang="en-GB" dirty="0" smtClean="0"/>
               <a:t>Regular expressions 101</a:t>
             </a:r>
-            <a:endParaRPr lang="en-GB" dirty="0" smtClean="0"/>
           </a:p>
           <a:p>
             <a:r>
@@ -6783,7 +7499,141 @@
   <p:timing>
     <p:tnLst>
       <p:par>
-        <p:cTn id="1" dur="indefinite" restart="never" nodeType="tmRoot"/>
+        <p:cTn id="1" dur="indefinite" restart="never" nodeType="tmRoot">
+          <p:childTnLst>
+            <p:seq concurrent="1" nextAc="seek">
+              <p:cTn id="2" dur="indefinite" nodeType="mainSeq">
+                <p:childTnLst>
+                  <p:par>
+                    <p:cTn id="3" fill="hold">
+                      <p:stCondLst>
+                        <p:cond delay="indefinite"/>
+                      </p:stCondLst>
+                      <p:childTnLst>
+                        <p:par>
+                          <p:cTn id="4" fill="hold">
+                            <p:stCondLst>
+                              <p:cond delay="0"/>
+                            </p:stCondLst>
+                            <p:childTnLst>
+                              <p:par>
+                                <p:cTn id="5" presetID="1" presetClass="entr" presetSubtype="0" fill="hold" nodeType="clickEffect">
+                                  <p:stCondLst>
+                                    <p:cond delay="0"/>
+                                  </p:stCondLst>
+                                  <p:childTnLst>
+                                    <p:set>
+                                      <p:cBhvr>
+                                        <p:cTn id="6" dur="1" fill="hold">
+                                          <p:stCondLst>
+                                            <p:cond delay="0"/>
+                                          </p:stCondLst>
+                                        </p:cTn>
+                                        <p:tgtEl>
+                                          <p:spTgt spid="6">
+                                            <p:txEl>
+                                              <p:pRg st="3" end="3"/>
+                                            </p:txEl>
+                                          </p:spTgt>
+                                        </p:tgtEl>
+                                        <p:attrNameLst>
+                                          <p:attrName>style.visibility</p:attrName>
+                                        </p:attrNameLst>
+                                      </p:cBhvr>
+                                      <p:to>
+                                        <p:strVal val="visible"/>
+                                      </p:to>
+                                    </p:set>
+                                  </p:childTnLst>
+                                </p:cTn>
+                              </p:par>
+                              <p:par>
+                                <p:cTn id="7" presetID="1" presetClass="entr" presetSubtype="0" fill="hold" nodeType="withEffect">
+                                  <p:stCondLst>
+                                    <p:cond delay="0"/>
+                                  </p:stCondLst>
+                                  <p:childTnLst>
+                                    <p:set>
+                                      <p:cBhvr>
+                                        <p:cTn id="8" dur="1" fill="hold">
+                                          <p:stCondLst>
+                                            <p:cond delay="0"/>
+                                          </p:stCondLst>
+                                        </p:cTn>
+                                        <p:tgtEl>
+                                          <p:spTgt spid="6">
+                                            <p:txEl>
+                                              <p:pRg st="4" end="4"/>
+                                            </p:txEl>
+                                          </p:spTgt>
+                                        </p:tgtEl>
+                                        <p:attrNameLst>
+                                          <p:attrName>style.visibility</p:attrName>
+                                        </p:attrNameLst>
+                                      </p:cBhvr>
+                                      <p:to>
+                                        <p:strVal val="visible"/>
+                                      </p:to>
+                                    </p:set>
+                                  </p:childTnLst>
+                                </p:cTn>
+                              </p:par>
+                              <p:par>
+                                <p:cTn id="9" presetID="1" presetClass="entr" presetSubtype="0" fill="hold" nodeType="withEffect">
+                                  <p:stCondLst>
+                                    <p:cond delay="0"/>
+                                  </p:stCondLst>
+                                  <p:childTnLst>
+                                    <p:set>
+                                      <p:cBhvr>
+                                        <p:cTn id="10" dur="1" fill="hold">
+                                          <p:stCondLst>
+                                            <p:cond delay="0"/>
+                                          </p:stCondLst>
+                                        </p:cTn>
+                                        <p:tgtEl>
+                                          <p:spTgt spid="6">
+                                            <p:txEl>
+                                              <p:pRg st="5" end="5"/>
+                                            </p:txEl>
+                                          </p:spTgt>
+                                        </p:tgtEl>
+                                        <p:attrNameLst>
+                                          <p:attrName>style.visibility</p:attrName>
+                                        </p:attrNameLst>
+                                      </p:cBhvr>
+                                      <p:to>
+                                        <p:strVal val="visible"/>
+                                      </p:to>
+                                    </p:set>
+                                  </p:childTnLst>
+                                </p:cTn>
+                              </p:par>
+                            </p:childTnLst>
+                          </p:cTn>
+                        </p:par>
+                      </p:childTnLst>
+                    </p:cTn>
+                  </p:par>
+                </p:childTnLst>
+              </p:cTn>
+              <p:prevCondLst>
+                <p:cond evt="onPrev" delay="0">
+                  <p:tgtEl>
+                    <p:sldTgt/>
+                  </p:tgtEl>
+                </p:cond>
+              </p:prevCondLst>
+              <p:nextCondLst>
+                <p:cond evt="onNext" delay="0">
+                  <p:tgtEl>
+                    <p:sldTgt/>
+                  </p:tgtEl>
+                </p:cond>
+              </p:nextCondLst>
+            </p:seq>
+          </p:childTnLst>
+        </p:cTn>
       </p:par>
     </p:tnLst>
   </p:timing>
@@ -7036,7 +7886,141 @@
   <p:timing>
     <p:tnLst>
       <p:par>
-        <p:cTn id="1" dur="indefinite" restart="never" nodeType="tmRoot"/>
+        <p:cTn id="1" dur="indefinite" restart="never" nodeType="tmRoot">
+          <p:childTnLst>
+            <p:seq concurrent="1" nextAc="seek">
+              <p:cTn id="2" dur="indefinite" nodeType="mainSeq">
+                <p:childTnLst>
+                  <p:par>
+                    <p:cTn id="3" fill="hold">
+                      <p:stCondLst>
+                        <p:cond delay="indefinite"/>
+                      </p:stCondLst>
+                      <p:childTnLst>
+                        <p:par>
+                          <p:cTn id="4" fill="hold">
+                            <p:stCondLst>
+                              <p:cond delay="0"/>
+                            </p:stCondLst>
+                            <p:childTnLst>
+                              <p:par>
+                                <p:cTn id="5" presetID="1" presetClass="entr" presetSubtype="0" fill="hold" nodeType="clickEffect">
+                                  <p:stCondLst>
+                                    <p:cond delay="0"/>
+                                  </p:stCondLst>
+                                  <p:childTnLst>
+                                    <p:set>
+                                      <p:cBhvr>
+                                        <p:cTn id="6" dur="1" fill="hold">
+                                          <p:stCondLst>
+                                            <p:cond delay="0"/>
+                                          </p:stCondLst>
+                                        </p:cTn>
+                                        <p:tgtEl>
+                                          <p:spTgt spid="6">
+                                            <p:txEl>
+                                              <p:pRg st="3" end="3"/>
+                                            </p:txEl>
+                                          </p:spTgt>
+                                        </p:tgtEl>
+                                        <p:attrNameLst>
+                                          <p:attrName>style.visibility</p:attrName>
+                                        </p:attrNameLst>
+                                      </p:cBhvr>
+                                      <p:to>
+                                        <p:strVal val="visible"/>
+                                      </p:to>
+                                    </p:set>
+                                  </p:childTnLst>
+                                </p:cTn>
+                              </p:par>
+                              <p:par>
+                                <p:cTn id="7" presetID="1" presetClass="entr" presetSubtype="0" fill="hold" nodeType="withEffect">
+                                  <p:stCondLst>
+                                    <p:cond delay="0"/>
+                                  </p:stCondLst>
+                                  <p:childTnLst>
+                                    <p:set>
+                                      <p:cBhvr>
+                                        <p:cTn id="8" dur="1" fill="hold">
+                                          <p:stCondLst>
+                                            <p:cond delay="0"/>
+                                          </p:stCondLst>
+                                        </p:cTn>
+                                        <p:tgtEl>
+                                          <p:spTgt spid="6">
+                                            <p:txEl>
+                                              <p:pRg st="4" end="4"/>
+                                            </p:txEl>
+                                          </p:spTgt>
+                                        </p:tgtEl>
+                                        <p:attrNameLst>
+                                          <p:attrName>style.visibility</p:attrName>
+                                        </p:attrNameLst>
+                                      </p:cBhvr>
+                                      <p:to>
+                                        <p:strVal val="visible"/>
+                                      </p:to>
+                                    </p:set>
+                                  </p:childTnLst>
+                                </p:cTn>
+                              </p:par>
+                              <p:par>
+                                <p:cTn id="9" presetID="1" presetClass="entr" presetSubtype="0" fill="hold" nodeType="withEffect">
+                                  <p:stCondLst>
+                                    <p:cond delay="0"/>
+                                  </p:stCondLst>
+                                  <p:childTnLst>
+                                    <p:set>
+                                      <p:cBhvr>
+                                        <p:cTn id="10" dur="1" fill="hold">
+                                          <p:stCondLst>
+                                            <p:cond delay="0"/>
+                                          </p:stCondLst>
+                                        </p:cTn>
+                                        <p:tgtEl>
+                                          <p:spTgt spid="6">
+                                            <p:txEl>
+                                              <p:pRg st="5" end="5"/>
+                                            </p:txEl>
+                                          </p:spTgt>
+                                        </p:tgtEl>
+                                        <p:attrNameLst>
+                                          <p:attrName>style.visibility</p:attrName>
+                                        </p:attrNameLst>
+                                      </p:cBhvr>
+                                      <p:to>
+                                        <p:strVal val="visible"/>
+                                      </p:to>
+                                    </p:set>
+                                  </p:childTnLst>
+                                </p:cTn>
+                              </p:par>
+                            </p:childTnLst>
+                          </p:cTn>
+                        </p:par>
+                      </p:childTnLst>
+                    </p:cTn>
+                  </p:par>
+                </p:childTnLst>
+              </p:cTn>
+              <p:prevCondLst>
+                <p:cond evt="onPrev" delay="0">
+                  <p:tgtEl>
+                    <p:sldTgt/>
+                  </p:tgtEl>
+                </p:cond>
+              </p:prevCondLst>
+              <p:nextCondLst>
+                <p:cond evt="onNext" delay="0">
+                  <p:tgtEl>
+                    <p:sldTgt/>
+                  </p:tgtEl>
+                </p:cond>
+              </p:nextCondLst>
+            </p:seq>
+          </p:childTnLst>
+        </p:cTn>
       </p:par>
     </p:tnLst>
   </p:timing>
@@ -7297,7 +8281,141 @@
   <p:timing>
     <p:tnLst>
       <p:par>
-        <p:cTn id="1" dur="indefinite" restart="never" nodeType="tmRoot"/>
+        <p:cTn id="1" dur="indefinite" restart="never" nodeType="tmRoot">
+          <p:childTnLst>
+            <p:seq concurrent="1" nextAc="seek">
+              <p:cTn id="2" dur="indefinite" nodeType="mainSeq">
+                <p:childTnLst>
+                  <p:par>
+                    <p:cTn id="3" fill="hold">
+                      <p:stCondLst>
+                        <p:cond delay="indefinite"/>
+                      </p:stCondLst>
+                      <p:childTnLst>
+                        <p:par>
+                          <p:cTn id="4" fill="hold">
+                            <p:stCondLst>
+                              <p:cond delay="0"/>
+                            </p:stCondLst>
+                            <p:childTnLst>
+                              <p:par>
+                                <p:cTn id="5" presetID="1" presetClass="entr" presetSubtype="0" fill="hold" nodeType="clickEffect">
+                                  <p:stCondLst>
+                                    <p:cond delay="0"/>
+                                  </p:stCondLst>
+                                  <p:childTnLst>
+                                    <p:set>
+                                      <p:cBhvr>
+                                        <p:cTn id="6" dur="1" fill="hold">
+                                          <p:stCondLst>
+                                            <p:cond delay="0"/>
+                                          </p:stCondLst>
+                                        </p:cTn>
+                                        <p:tgtEl>
+                                          <p:spTgt spid="6">
+                                            <p:txEl>
+                                              <p:pRg st="3" end="3"/>
+                                            </p:txEl>
+                                          </p:spTgt>
+                                        </p:tgtEl>
+                                        <p:attrNameLst>
+                                          <p:attrName>style.visibility</p:attrName>
+                                        </p:attrNameLst>
+                                      </p:cBhvr>
+                                      <p:to>
+                                        <p:strVal val="visible"/>
+                                      </p:to>
+                                    </p:set>
+                                  </p:childTnLst>
+                                </p:cTn>
+                              </p:par>
+                              <p:par>
+                                <p:cTn id="7" presetID="1" presetClass="entr" presetSubtype="0" fill="hold" nodeType="withEffect">
+                                  <p:stCondLst>
+                                    <p:cond delay="0"/>
+                                  </p:stCondLst>
+                                  <p:childTnLst>
+                                    <p:set>
+                                      <p:cBhvr>
+                                        <p:cTn id="8" dur="1" fill="hold">
+                                          <p:stCondLst>
+                                            <p:cond delay="0"/>
+                                          </p:stCondLst>
+                                        </p:cTn>
+                                        <p:tgtEl>
+                                          <p:spTgt spid="6">
+                                            <p:txEl>
+                                              <p:pRg st="4" end="4"/>
+                                            </p:txEl>
+                                          </p:spTgt>
+                                        </p:tgtEl>
+                                        <p:attrNameLst>
+                                          <p:attrName>style.visibility</p:attrName>
+                                        </p:attrNameLst>
+                                      </p:cBhvr>
+                                      <p:to>
+                                        <p:strVal val="visible"/>
+                                      </p:to>
+                                    </p:set>
+                                  </p:childTnLst>
+                                </p:cTn>
+                              </p:par>
+                              <p:par>
+                                <p:cTn id="9" presetID="1" presetClass="entr" presetSubtype="0" fill="hold" nodeType="withEffect">
+                                  <p:stCondLst>
+                                    <p:cond delay="0"/>
+                                  </p:stCondLst>
+                                  <p:childTnLst>
+                                    <p:set>
+                                      <p:cBhvr>
+                                        <p:cTn id="10" dur="1" fill="hold">
+                                          <p:stCondLst>
+                                            <p:cond delay="0"/>
+                                          </p:stCondLst>
+                                        </p:cTn>
+                                        <p:tgtEl>
+                                          <p:spTgt spid="6">
+                                            <p:txEl>
+                                              <p:pRg st="5" end="5"/>
+                                            </p:txEl>
+                                          </p:spTgt>
+                                        </p:tgtEl>
+                                        <p:attrNameLst>
+                                          <p:attrName>style.visibility</p:attrName>
+                                        </p:attrNameLst>
+                                      </p:cBhvr>
+                                      <p:to>
+                                        <p:strVal val="visible"/>
+                                      </p:to>
+                                    </p:set>
+                                  </p:childTnLst>
+                                </p:cTn>
+                              </p:par>
+                            </p:childTnLst>
+                          </p:cTn>
+                        </p:par>
+                      </p:childTnLst>
+                    </p:cTn>
+                  </p:par>
+                </p:childTnLst>
+              </p:cTn>
+              <p:prevCondLst>
+                <p:cond evt="onPrev" delay="0">
+                  <p:tgtEl>
+                    <p:sldTgt/>
+                  </p:tgtEl>
+                </p:cond>
+              </p:prevCondLst>
+              <p:nextCondLst>
+                <p:cond evt="onNext" delay="0">
+                  <p:tgtEl>
+                    <p:sldTgt/>
+                  </p:tgtEl>
+                </p:cond>
+              </p:nextCondLst>
+            </p:seq>
+          </p:childTnLst>
+        </p:cTn>
       </p:par>
     </p:tnLst>
   </p:timing>
@@ -7530,7 +8648,141 @@
   <p:timing>
     <p:tnLst>
       <p:par>
-        <p:cTn id="1" dur="indefinite" restart="never" nodeType="tmRoot"/>
+        <p:cTn id="1" dur="indefinite" restart="never" nodeType="tmRoot">
+          <p:childTnLst>
+            <p:seq concurrent="1" nextAc="seek">
+              <p:cTn id="2" dur="indefinite" nodeType="mainSeq">
+                <p:childTnLst>
+                  <p:par>
+                    <p:cTn id="3" fill="hold">
+                      <p:stCondLst>
+                        <p:cond delay="indefinite"/>
+                      </p:stCondLst>
+                      <p:childTnLst>
+                        <p:par>
+                          <p:cTn id="4" fill="hold">
+                            <p:stCondLst>
+                              <p:cond delay="0"/>
+                            </p:stCondLst>
+                            <p:childTnLst>
+                              <p:par>
+                                <p:cTn id="5" presetID="1" presetClass="entr" presetSubtype="0" fill="hold" nodeType="clickEffect">
+                                  <p:stCondLst>
+                                    <p:cond delay="0"/>
+                                  </p:stCondLst>
+                                  <p:childTnLst>
+                                    <p:set>
+                                      <p:cBhvr>
+                                        <p:cTn id="6" dur="1" fill="hold">
+                                          <p:stCondLst>
+                                            <p:cond delay="0"/>
+                                          </p:stCondLst>
+                                        </p:cTn>
+                                        <p:tgtEl>
+                                          <p:spTgt spid="6">
+                                            <p:txEl>
+                                              <p:pRg st="3" end="3"/>
+                                            </p:txEl>
+                                          </p:spTgt>
+                                        </p:tgtEl>
+                                        <p:attrNameLst>
+                                          <p:attrName>style.visibility</p:attrName>
+                                        </p:attrNameLst>
+                                      </p:cBhvr>
+                                      <p:to>
+                                        <p:strVal val="visible"/>
+                                      </p:to>
+                                    </p:set>
+                                  </p:childTnLst>
+                                </p:cTn>
+                              </p:par>
+                              <p:par>
+                                <p:cTn id="7" presetID="1" presetClass="entr" presetSubtype="0" fill="hold" nodeType="withEffect">
+                                  <p:stCondLst>
+                                    <p:cond delay="0"/>
+                                  </p:stCondLst>
+                                  <p:childTnLst>
+                                    <p:set>
+                                      <p:cBhvr>
+                                        <p:cTn id="8" dur="1" fill="hold">
+                                          <p:stCondLst>
+                                            <p:cond delay="0"/>
+                                          </p:stCondLst>
+                                        </p:cTn>
+                                        <p:tgtEl>
+                                          <p:spTgt spid="6">
+                                            <p:txEl>
+                                              <p:pRg st="4" end="4"/>
+                                            </p:txEl>
+                                          </p:spTgt>
+                                        </p:tgtEl>
+                                        <p:attrNameLst>
+                                          <p:attrName>style.visibility</p:attrName>
+                                        </p:attrNameLst>
+                                      </p:cBhvr>
+                                      <p:to>
+                                        <p:strVal val="visible"/>
+                                      </p:to>
+                                    </p:set>
+                                  </p:childTnLst>
+                                </p:cTn>
+                              </p:par>
+                              <p:par>
+                                <p:cTn id="9" presetID="1" presetClass="entr" presetSubtype="0" fill="hold" nodeType="withEffect">
+                                  <p:stCondLst>
+                                    <p:cond delay="0"/>
+                                  </p:stCondLst>
+                                  <p:childTnLst>
+                                    <p:set>
+                                      <p:cBhvr>
+                                        <p:cTn id="10" dur="1" fill="hold">
+                                          <p:stCondLst>
+                                            <p:cond delay="0"/>
+                                          </p:stCondLst>
+                                        </p:cTn>
+                                        <p:tgtEl>
+                                          <p:spTgt spid="6">
+                                            <p:txEl>
+                                              <p:pRg st="5" end="5"/>
+                                            </p:txEl>
+                                          </p:spTgt>
+                                        </p:tgtEl>
+                                        <p:attrNameLst>
+                                          <p:attrName>style.visibility</p:attrName>
+                                        </p:attrNameLst>
+                                      </p:cBhvr>
+                                      <p:to>
+                                        <p:strVal val="visible"/>
+                                      </p:to>
+                                    </p:set>
+                                  </p:childTnLst>
+                                </p:cTn>
+                              </p:par>
+                            </p:childTnLst>
+                          </p:cTn>
+                        </p:par>
+                      </p:childTnLst>
+                    </p:cTn>
+                  </p:par>
+                </p:childTnLst>
+              </p:cTn>
+              <p:prevCondLst>
+                <p:cond evt="onPrev" delay="0">
+                  <p:tgtEl>
+                    <p:sldTgt/>
+                  </p:tgtEl>
+                </p:cond>
+              </p:prevCondLst>
+              <p:nextCondLst>
+                <p:cond evt="onNext" delay="0">
+                  <p:tgtEl>
+                    <p:sldTgt/>
+                  </p:tgtEl>
+                </p:cond>
+              </p:nextCondLst>
+            </p:seq>
+          </p:childTnLst>
+        </p:cTn>
       </p:par>
     </p:tnLst>
   </p:timing>
@@ -10541,6 +11793,15 @@
 </file>
 
 <file path=customXml/item1.xml><?xml version="1.0" encoding="utf-8"?>
+<?mso-contentType ?>
+<FormTemplates xmlns="http://schemas.microsoft.com/sharepoint/v3/contenttype/forms">
+  <Display>DocumentLibraryForm</Display>
+  <Edit>DocumentLibraryForm</Edit>
+  <New>DocumentLibraryForm</New>
+</FormTemplates>
+</file>
+
+<file path=customXml/item2.xml><?xml version="1.0" encoding="utf-8"?>
 <p:properties xmlns:p="http://schemas.microsoft.com/office/2006/metadata/properties" xmlns:xsi="http://www.w3.org/2001/XMLSchema-instance" xmlns:pc="http://schemas.microsoft.com/office/infopath/2007/PartnerControls">
   <documentManagement>
     <TaxCatchAll xmlns="230e9df3-be65-4c73-a93b-d1236ebd677e"/>
@@ -10551,15 +11812,6 @@
     </TaxKeywordTaxHTField>
   </documentManagement>
 </p:properties>
-</file>
-
-<file path=customXml/item2.xml><?xml version="1.0" encoding="utf-8"?>
-<?mso-contentType ?>
-<FormTemplates xmlns="http://schemas.microsoft.com/sharepoint/v3/contenttype/forms">
-  <Display>DocumentLibraryForm</Display>
-  <Edit>DocumentLibraryForm</Edit>
-  <New>DocumentLibraryForm</New>
-</FormTemplates>
 </file>
 
 <file path=customXml/item3.xml><?xml version="1.0" encoding="utf-8"?>
@@ -10745,27 +11997,27 @@
 </file>
 
 <file path=customXml/itemProps1.xml><?xml version="1.0" encoding="utf-8"?>
-<ds:datastoreItem xmlns:ds="http://schemas.openxmlformats.org/officeDocument/2006/customXml" ds:itemID="{7025FDD9-4C58-4084-9F89-0E6ADD6FFF55}">
+<ds:datastoreItem xmlns:ds="http://schemas.openxmlformats.org/officeDocument/2006/customXml" ds:itemID="{B0CA13EC-1D3C-4D6F-8D1C-E8A452CFC79A}">
   <ds:schemaRefs>
-    <ds:schemaRef ds:uri="230e9df3-be65-4c73-a93b-d1236ebd677e"/>
-    <ds:schemaRef ds:uri="http://purl.org/dc/dcmitype/"/>
-    <ds:schemaRef ds:uri="http://schemas.microsoft.com/office/2006/documentManagement/types"/>
-    <ds:schemaRef ds:uri="http://schemas.microsoft.com/sharepoint/v3"/>
-    <ds:schemaRef ds:uri="http://schemas.microsoft.com/office/infopath/2007/PartnerControls"/>
-    <ds:schemaRef ds:uri="http://www.w3.org/XML/1998/namespace"/>
-    <ds:schemaRef ds:uri="http://purl.org/dc/elements/1.1/"/>
-    <ds:schemaRef ds:uri="http://schemas.openxmlformats.org/package/2006/metadata/core-properties"/>
-    <ds:schemaRef ds:uri="27aa9422-7f1f-4c84-9cdf-302b1a67e513"/>
-    <ds:schemaRef ds:uri="http://schemas.microsoft.com/office/2006/metadata/properties"/>
-    <ds:schemaRef ds:uri="http://purl.org/dc/terms/"/>
+    <ds:schemaRef ds:uri="http://schemas.microsoft.com/sharepoint/v3/contenttype/forms"/>
   </ds:schemaRefs>
 </ds:datastoreItem>
 </file>
 
 <file path=customXml/itemProps2.xml><?xml version="1.0" encoding="utf-8"?>
-<ds:datastoreItem xmlns:ds="http://schemas.openxmlformats.org/officeDocument/2006/customXml" ds:itemID="{B0CA13EC-1D3C-4D6F-8D1C-E8A452CFC79A}">
+<ds:datastoreItem xmlns:ds="http://schemas.openxmlformats.org/officeDocument/2006/customXml" ds:itemID="{7025FDD9-4C58-4084-9F89-0E6ADD6FFF55}">
   <ds:schemaRefs>
-    <ds:schemaRef ds:uri="http://schemas.microsoft.com/sharepoint/v3/contenttype/forms"/>
+    <ds:schemaRef ds:uri="http://schemas.microsoft.com/office/2006/documentManagement/types"/>
+    <ds:schemaRef ds:uri="http://purl.org/dc/elements/1.1/"/>
+    <ds:schemaRef ds:uri="http://schemas.microsoft.com/office/2006/metadata/properties"/>
+    <ds:schemaRef ds:uri="http://schemas.microsoft.com/sharepoint/v3"/>
+    <ds:schemaRef ds:uri="http://purl.org/dc/terms/"/>
+    <ds:schemaRef ds:uri="http://purl.org/dc/dcmitype/"/>
+    <ds:schemaRef ds:uri="27aa9422-7f1f-4c84-9cdf-302b1a67e513"/>
+    <ds:schemaRef ds:uri="http://schemas.microsoft.com/office/infopath/2007/PartnerControls"/>
+    <ds:schemaRef ds:uri="http://schemas.openxmlformats.org/package/2006/metadata/core-properties"/>
+    <ds:schemaRef ds:uri="230e9df3-be65-4c73-a93b-d1236ebd677e"/>
+    <ds:schemaRef ds:uri="http://www.w3.org/XML/1998/namespace"/>
   </ds:schemaRefs>
 </ds:datastoreItem>
 </file>

--- a/Slides/Module 4 - URLs.pptx
+++ b/Slides/Module 4 - URLs.pptx
@@ -5,10 +5,10 @@
     <p:sldMasterId id="2147483660" r:id="rId4"/>
   </p:sldMasterIdLst>
   <p:notesMasterIdLst>
-    <p:notesMasterId r:id="rId40"/>
+    <p:notesMasterId r:id="rId46"/>
   </p:notesMasterIdLst>
   <p:handoutMasterIdLst>
-    <p:handoutMasterId r:id="rId41"/>
+    <p:handoutMasterId r:id="rId47"/>
   </p:handoutMasterIdLst>
   <p:sldIdLst>
     <p:sldId id="277" r:id="rId5"/>
@@ -43,9 +43,15 @@
     <p:sldId id="306" r:id="rId34"/>
     <p:sldId id="307" r:id="rId35"/>
     <p:sldId id="308" r:id="rId36"/>
-    <p:sldId id="309" r:id="rId37"/>
-    <p:sldId id="310" r:id="rId38"/>
-    <p:sldId id="269" r:id="rId39"/>
+    <p:sldId id="311" r:id="rId37"/>
+    <p:sldId id="309" r:id="rId38"/>
+    <p:sldId id="310" r:id="rId39"/>
+    <p:sldId id="312" r:id="rId40"/>
+    <p:sldId id="313" r:id="rId41"/>
+    <p:sldId id="314" r:id="rId42"/>
+    <p:sldId id="315" r:id="rId43"/>
+    <p:sldId id="316" r:id="rId44"/>
+    <p:sldId id="269" r:id="rId45"/>
   </p:sldIdLst>
   <p:sldSz cx="12192000" cy="6858000"/>
   <p:notesSz cx="6858000" cy="9144000"/>
@@ -237,7 +243,7 @@
           <a:p>
             <a:fld id="{312E7B4A-039C-48A2-9B2C-AF16AA3873D8}" type="datetimeFigureOut">
               <a:rPr lang="en-US" smtClean="0"/>
-              <a:t>6/16/2015</a:t>
+              <a:t>6/17/2015</a:t>
             </a:fld>
             <a:endParaRPr lang="en-US"/>
           </a:p>
@@ -402,7 +408,7 @@
           <a:p>
             <a:fld id="{DA005A0C-54D9-45AA-87D4-C551D08DFCE1}" type="datetimeFigureOut">
               <a:rPr lang="en-US" smtClean="0"/>
-              <a:t>6/16/2015</a:t>
+              <a:t>6/17/2015</a:t>
             </a:fld>
             <a:endParaRPr lang="en-US"/>
           </a:p>
@@ -4559,7 +4565,15 @@
           <a:p>
             <a:r>
               <a:rPr lang="en-US" b="0" dirty="0" smtClean="0"/>
-              <a:t>Starts with $, meaning the text must </a:t>
+              <a:t>Starts with </a:t>
+            </a:r>
+            <a:r>
+              <a:rPr lang="en-US" b="0" dirty="0" smtClean="0"/>
+              <a:t>^, </a:t>
+            </a:r>
+            <a:r>
+              <a:rPr lang="en-US" b="0" dirty="0" smtClean="0"/>
+              <a:t>meaning the text must </a:t>
             </a:r>
             <a:r>
               <a:rPr lang="en-US" dirty="0" smtClean="0"/>
@@ -4692,8 +4706,12 @@
           <a:p>
             <a:pPr algn="ctr"/>
             <a:r>
+              <a:rPr lang="en-US" sz="3600" dirty="0"/>
+              <a:t>^</a:t>
+            </a:r>
+            <a:r>
               <a:rPr lang="en-US" sz="3600" dirty="0" smtClean="0"/>
-              <a:t>$contact</a:t>
+              <a:t>contact</a:t>
             </a:r>
             <a:endParaRPr lang="en-US" sz="3600" dirty="0"/>
           </a:p>
@@ -4909,7 +4927,15 @@
           <a:p>
             <a:r>
               <a:rPr lang="en-US" b="0" dirty="0" smtClean="0"/>
-              <a:t>Ends with ^, meaning the text must </a:t>
+              <a:t>Ends with </a:t>
+            </a:r>
+            <a:r>
+              <a:rPr lang="en-US" b="0" dirty="0" smtClean="0"/>
+              <a:t>$, </a:t>
+            </a:r>
+            <a:r>
+              <a:rPr lang="en-US" b="0" dirty="0" smtClean="0"/>
+              <a:t>meaning the text must </a:t>
             </a:r>
             <a:r>
               <a:rPr lang="en-US" dirty="0" smtClean="0"/>
@@ -5046,12 +5072,8 @@
           <a:p>
             <a:pPr algn="ctr"/>
             <a:r>
-              <a:rPr lang="en-US" sz="3600" dirty="0"/>
-              <a:t>c</a:t>
-            </a:r>
-            <a:r>
               <a:rPr lang="en-US" sz="3600" dirty="0" smtClean="0"/>
-              <a:t>ontact^</a:t>
+              <a:t>contact$</a:t>
             </a:r>
             <a:endParaRPr lang="en-US" sz="3600" dirty="0"/>
           </a:p>
@@ -5267,7 +5289,15 @@
           <a:p>
             <a:r>
               <a:rPr lang="en-US" b="0" dirty="0"/>
-              <a:t>Starts with $, meaning the text must </a:t>
+              <a:t>Starts with </a:t>
+            </a:r>
+            <a:r>
+              <a:rPr lang="en-US" b="0" dirty="0" smtClean="0"/>
+              <a:t>^, </a:t>
+            </a:r>
+            <a:r>
+              <a:rPr lang="en-US" b="0" dirty="0"/>
+              <a:t>meaning the text must </a:t>
             </a:r>
             <a:r>
               <a:rPr lang="en-US" dirty="0"/>
@@ -5408,8 +5438,12 @@
           <a:p>
             <a:pPr algn="ctr"/>
             <a:r>
+              <a:rPr lang="en-US" sz="3600" dirty="0"/>
+              <a:t>^</a:t>
+            </a:r>
+            <a:r>
               <a:rPr lang="en-US" sz="3600" dirty="0" smtClean="0"/>
-              <a:t>$us</a:t>
+              <a:t>us</a:t>
             </a:r>
             <a:endParaRPr lang="en-US" sz="3600" dirty="0"/>
           </a:p>
@@ -5625,7 +5659,15 @@
           <a:p>
             <a:r>
               <a:rPr lang="en-US" b="0" dirty="0" smtClean="0"/>
-              <a:t>Ends with ^, meaning the text must </a:t>
+              <a:t>Ends with </a:t>
+            </a:r>
+            <a:r>
+              <a:rPr lang="en-US" b="0" dirty="0" smtClean="0"/>
+              <a:t>$, </a:t>
+            </a:r>
+            <a:r>
+              <a:rPr lang="en-US" b="0" dirty="0" smtClean="0"/>
+              <a:t>meaning the text must </a:t>
             </a:r>
             <a:r>
               <a:rPr lang="en-US" dirty="0" smtClean="0"/>
@@ -5763,7 +5805,7 @@
             <a:pPr algn="ctr"/>
             <a:r>
               <a:rPr lang="en-US" sz="3600" dirty="0" smtClean="0"/>
-              <a:t>us^</a:t>
+              <a:t>us$</a:t>
             </a:r>
             <a:endParaRPr lang="en-US" sz="3600" dirty="0"/>
           </a:p>
@@ -5979,7 +6021,23 @@
           <a:p>
             <a:r>
               <a:rPr lang="en-US" b="0" dirty="0" smtClean="0"/>
-              <a:t>Starts with $ and ends with ^, meaning the text must only be contact</a:t>
+              <a:t>Starts with </a:t>
+            </a:r>
+            <a:r>
+              <a:rPr lang="en-US" b="0" dirty="0" smtClean="0"/>
+              <a:t>^ </a:t>
+            </a:r>
+            <a:r>
+              <a:rPr lang="en-US" b="0" dirty="0" smtClean="0"/>
+              <a:t>and ends with </a:t>
+            </a:r>
+            <a:r>
+              <a:rPr lang="en-US" b="0" dirty="0" smtClean="0"/>
+              <a:t>$, </a:t>
+            </a:r>
+            <a:r>
+              <a:rPr lang="en-US" b="0" dirty="0" smtClean="0"/>
+              <a:t>meaning the text must only be contact</a:t>
             </a:r>
             <a:endParaRPr lang="en-US" dirty="0" smtClean="0"/>
           </a:p>
@@ -6100,8 +6158,16 @@
           <a:p>
             <a:pPr algn="ctr"/>
             <a:r>
+              <a:rPr lang="en-US" sz="3600" dirty="0"/>
+              <a:t>^</a:t>
+            </a:r>
+            <a:r>
               <a:rPr lang="en-US" sz="3600" dirty="0" smtClean="0"/>
-              <a:t>$contact^</a:t>
+              <a:t>contact</a:t>
+            </a:r>
+            <a:r>
+              <a:rPr lang="en-US" sz="3600" dirty="0"/>
+              <a:t>$</a:t>
             </a:r>
             <a:endParaRPr lang="en-US" sz="3600" dirty="0"/>
           </a:p>
@@ -6317,7 +6383,23 @@
           <a:p>
             <a:r>
               <a:rPr lang="en-US" b="0" dirty="0" smtClean="0"/>
-              <a:t>Starts with $ and ends with ^, meaning the text must only be </a:t>
+              <a:t>Starts with </a:t>
+            </a:r>
+            <a:r>
+              <a:rPr lang="en-US" b="0" dirty="0" smtClean="0"/>
+              <a:t>^ </a:t>
+            </a:r>
+            <a:r>
+              <a:rPr lang="en-US" b="0" dirty="0" smtClean="0"/>
+              <a:t>and ends with </a:t>
+            </a:r>
+            <a:r>
+              <a:rPr lang="en-US" b="0" dirty="0" smtClean="0"/>
+              <a:t>$, </a:t>
+            </a:r>
+            <a:r>
+              <a:rPr lang="en-US" b="0" dirty="0" smtClean="0"/>
+              <a:t>meaning the text must only be </a:t>
             </a:r>
             <a:r>
               <a:rPr lang="en-US" b="0" dirty="0" err="1" smtClean="0"/>
@@ -6442,16 +6524,16 @@
           <a:p>
             <a:pPr algn="ctr"/>
             <a:r>
-              <a:rPr lang="en-US" sz="3600" dirty="0" smtClean="0"/>
-              <a:t>$</a:t>
+              <a:rPr lang="en-US" sz="3600" dirty="0"/>
+              <a:t>^</a:t>
             </a:r>
             <a:r>
               <a:rPr lang="en-US" sz="3600" dirty="0" err="1" smtClean="0"/>
               <a:t>contactus</a:t>
             </a:r>
             <a:r>
-              <a:rPr lang="en-US" sz="3600" dirty="0" smtClean="0"/>
-              <a:t>^</a:t>
+              <a:rPr lang="en-US" sz="3600" dirty="0"/>
+              <a:t>$</a:t>
             </a:r>
             <a:endParaRPr lang="en-US" sz="3600" dirty="0"/>
           </a:p>
@@ -7480,7 +7562,15 @@
             <a:pPr algn="ctr"/>
             <a:r>
               <a:rPr lang="en-US" sz="3600" dirty="0" smtClean="0"/>
-              <a:t>$album/[a-z]+^</a:t>
+              <a:t>^album</a:t>
+            </a:r>
+            <a:r>
+              <a:rPr lang="en-US" sz="3600" dirty="0" smtClean="0"/>
+              <a:t>/[a-z</a:t>
+            </a:r>
+            <a:r>
+              <a:rPr lang="en-US" sz="3600" dirty="0" smtClean="0"/>
+              <a:t>]+$</a:t>
             </a:r>
             <a:endParaRPr lang="en-US" sz="3600" dirty="0"/>
           </a:p>
@@ -7858,8 +7948,16 @@
           <a:p>
             <a:pPr algn="ctr"/>
             <a:r>
+              <a:rPr lang="en-US" sz="3600" dirty="0"/>
+              <a:t>^</a:t>
+            </a:r>
+            <a:r>
               <a:rPr lang="en-US" sz="3600" dirty="0" smtClean="0"/>
-              <a:t>$album/[</a:t>
+              <a:t>album</a:t>
+            </a:r>
+            <a:r>
+              <a:rPr lang="en-US" sz="3600" dirty="0" smtClean="0"/>
+              <a:t>/[</a:t>
             </a:r>
             <a:r>
               <a:rPr lang="en-US" sz="3600" dirty="0" err="1" smtClean="0"/>
@@ -7867,7 +7965,7 @@
             </a:r>
             <a:r>
               <a:rPr lang="en-US" sz="3600" dirty="0" smtClean="0"/>
-              <a:t>]+^</a:t>
+              <a:t>]+$</a:t>
             </a:r>
             <a:endParaRPr lang="en-US" sz="3600" dirty="0"/>
           </a:p>
@@ -8254,7 +8352,11 @@
             <a:pPr algn="ctr"/>
             <a:r>
               <a:rPr lang="en-US" sz="3600" dirty="0" smtClean="0"/>
-              <a:t>$album/[A-</a:t>
+              <a:t>^album</a:t>
+            </a:r>
+            <a:r>
+              <a:rPr lang="en-US" sz="3600" dirty="0" smtClean="0"/>
+              <a:t>/[A-</a:t>
             </a:r>
             <a:r>
               <a:rPr lang="en-US" sz="3600" dirty="0" err="1" smtClean="0"/>
@@ -8262,7 +8364,11 @@
             </a:r>
             <a:r>
               <a:rPr lang="en-US" sz="3600" dirty="0" smtClean="0"/>
-              <a:t>-z]+^</a:t>
+              <a:t>-z</a:t>
+            </a:r>
+            <a:r>
+              <a:rPr lang="en-US" sz="3600" dirty="0" smtClean="0"/>
+              <a:t>]+$</a:t>
             </a:r>
             <a:endParaRPr lang="en-US" sz="3600" dirty="0"/>
           </a:p>
@@ -8629,7 +8735,15 @@
             <a:pPr algn="ctr"/>
             <a:r>
               <a:rPr lang="en-US" sz="3600" dirty="0" smtClean="0"/>
-              <a:t>$album/\w+^</a:t>
+              <a:t>^album</a:t>
+            </a:r>
+            <a:r>
+              <a:rPr lang="en-US" sz="3600" dirty="0" smtClean="0"/>
+              <a:t>/\w</a:t>
+            </a:r>
+            <a:r>
+              <a:rPr lang="en-US" sz="3600" dirty="0" smtClean="0"/>
+              <a:t>+$</a:t>
             </a:r>
             <a:endParaRPr lang="en-US" sz="3600" dirty="0"/>
           </a:p>
@@ -9300,8 +9414,12 @@
           <a:p>
             <a:pPr lvl="1"/>
             <a:r>
-              <a:rPr lang="en-US" dirty="0" smtClean="0"/>
-              <a:t>r indicates a regular expression is coming</a:t>
+              <a:rPr lang="en-US" b="1" dirty="0" smtClean="0"/>
+              <a:t>r</a:t>
+            </a:r>
+            <a:r>
+              <a:rPr lang="en-US" dirty="0" smtClean="0"/>
+              <a:t> indicates a regular expression is coming</a:t>
             </a:r>
           </a:p>
           <a:p>
@@ -9488,7 +9606,7 @@
       </p:grpSpPr>
       <p:sp>
         <p:nvSpPr>
-          <p:cNvPr id="2" name="Title 1"/>
+          <p:cNvPr id="4" name="Title 3"/>
           <p:cNvSpPr>
             <a:spLocks noGrp="1"/>
           </p:cNvSpPr>
@@ -9503,97 +9621,7 @@
           <a:p>
             <a:r>
               <a:rPr lang="en-US" dirty="0" smtClean="0"/>
-              <a:t>How do we add the parameter?</a:t>
-            </a:r>
-            <a:endParaRPr lang="en-US" dirty="0"/>
-          </a:p>
-        </p:txBody>
-      </p:sp>
-      <p:sp>
-        <p:nvSpPr>
-          <p:cNvPr id="3" name="Content Placeholder 2"/>
-          <p:cNvSpPr>
-            <a:spLocks noGrp="1"/>
-          </p:cNvSpPr>
-          <p:nvPr>
-            <p:ph sz="quarter" idx="10"/>
-          </p:nvPr>
-        </p:nvSpPr>
-        <p:spPr/>
-        <p:txBody>
-          <a:bodyPr/>
-          <a:lstStyle/>
-          <a:p>
-            <a:r>
-              <a:rPr lang="en-US" dirty="0" smtClean="0"/>
-              <a:t>The parameter section needs to be contained in parenthesis</a:t>
-            </a:r>
-          </a:p>
-          <a:p>
-            <a:r>
-              <a:rPr lang="en-US" dirty="0" smtClean="0"/>
-              <a:t>A </a:t>
-            </a:r>
-            <a:r>
-              <a:rPr lang="en-US" b="1" dirty="0" smtClean="0"/>
-              <a:t>?P</a:t>
-            </a:r>
-            <a:r>
-              <a:rPr lang="en-US" dirty="0" smtClean="0"/>
-              <a:t> indicates we're specifying a parameter</a:t>
-            </a:r>
-          </a:p>
-          <a:p>
-            <a:r>
-              <a:rPr lang="en-US" dirty="0" smtClean="0"/>
-              <a:t>The name of the parameter is in angle brackets &lt; &gt;</a:t>
-            </a:r>
-          </a:p>
-          <a:p>
-            <a:r>
-              <a:rPr lang="en-US" dirty="0" smtClean="0"/>
-              <a:t>The expression for the parameter is after the name</a:t>
-            </a:r>
-          </a:p>
-          <a:p>
-            <a:endParaRPr lang="en-US" dirty="0"/>
-          </a:p>
-          <a:p>
-            <a:pPr lvl="1"/>
-            <a:r>
-              <a:rPr lang="en-US" dirty="0"/>
-              <a:t>The pattern would look as follows:</a:t>
-            </a:r>
-          </a:p>
-          <a:p>
-            <a:pPr marL="457046" lvl="1" indent="0">
-              <a:buNone/>
-            </a:pPr>
-            <a:endParaRPr lang="en-US" dirty="0"/>
-          </a:p>
-          <a:p>
-            <a:pPr marL="457046" lvl="1" indent="0">
-              <a:buNone/>
-            </a:pPr>
-            <a:r>
-              <a:rPr lang="en-US" dirty="0" err="1"/>
-              <a:t>r'^album</a:t>
-            </a:r>
-            <a:r>
-              <a:rPr lang="en-US" dirty="0"/>
-              <a:t>/(?P&lt;name&gt;[A-</a:t>
-            </a:r>
-            <a:r>
-              <a:rPr lang="en-US" dirty="0" err="1"/>
-              <a:t>Za</a:t>
-            </a:r>
-            <a:r>
-              <a:rPr lang="en-US" dirty="0"/>
-              <a:t>-z</a:t>
-            </a:r>
-            <a:r>
-              <a:rPr lang="en-US" dirty="0" smtClean="0"/>
-              <a:t>])'</a:t>
+              <a:t>Creating routes</a:t>
             </a:r>
             <a:endParaRPr lang="en-US" dirty="0"/>
           </a:p>
@@ -9602,7 +9630,7 @@
     </p:spTree>
     <p:extLst>
       <p:ext uri="{BB962C8B-B14F-4D97-AF65-F5344CB8AC3E}">
-        <p14:creationId xmlns:p14="http://schemas.microsoft.com/office/powerpoint/2010/main" val="3606753571"/>
+        <p14:creationId xmlns:p14="http://schemas.microsoft.com/office/powerpoint/2010/main" val="2498002635"/>
       </p:ext>
     </p:extLst>
   </p:cSld>
@@ -9638,7 +9666,7 @@
       </p:grpSpPr>
       <p:sp>
         <p:nvSpPr>
-          <p:cNvPr id="4" name="Title 3"/>
+          <p:cNvPr id="2" name="Title 1"/>
           <p:cNvSpPr>
             <a:spLocks noGrp="1"/>
           </p:cNvSpPr>
@@ -9653,7 +9681,97 @@
           <a:p>
             <a:r>
               <a:rPr lang="en-US" dirty="0" smtClean="0"/>
-              <a:t>Adding parameters</a:t>
+              <a:t>How do we add the parameter?</a:t>
+            </a:r>
+            <a:endParaRPr lang="en-US" dirty="0"/>
+          </a:p>
+        </p:txBody>
+      </p:sp>
+      <p:sp>
+        <p:nvSpPr>
+          <p:cNvPr id="3" name="Content Placeholder 2"/>
+          <p:cNvSpPr>
+            <a:spLocks noGrp="1"/>
+          </p:cNvSpPr>
+          <p:nvPr>
+            <p:ph sz="quarter" idx="10"/>
+          </p:nvPr>
+        </p:nvSpPr>
+        <p:spPr/>
+        <p:txBody>
+          <a:bodyPr/>
+          <a:lstStyle/>
+          <a:p>
+            <a:r>
+              <a:rPr lang="en-US" dirty="0" smtClean="0"/>
+              <a:t>The parameter section needs to be contained in parenthesis</a:t>
+            </a:r>
+          </a:p>
+          <a:p>
+            <a:r>
+              <a:rPr lang="en-US" dirty="0" smtClean="0"/>
+              <a:t>A </a:t>
+            </a:r>
+            <a:r>
+              <a:rPr lang="en-US" b="1" dirty="0" smtClean="0"/>
+              <a:t>?P</a:t>
+            </a:r>
+            <a:r>
+              <a:rPr lang="en-US" dirty="0" smtClean="0"/>
+              <a:t> indicates we're specifying a parameter</a:t>
+            </a:r>
+          </a:p>
+          <a:p>
+            <a:r>
+              <a:rPr lang="en-US" dirty="0" smtClean="0"/>
+              <a:t>The name of the parameter is in angle brackets &lt; &gt;</a:t>
+            </a:r>
+          </a:p>
+          <a:p>
+            <a:r>
+              <a:rPr lang="en-US" dirty="0" smtClean="0"/>
+              <a:t>The expression for the parameter is after the name</a:t>
+            </a:r>
+          </a:p>
+          <a:p>
+            <a:endParaRPr lang="en-US" dirty="0"/>
+          </a:p>
+          <a:p>
+            <a:pPr lvl="1"/>
+            <a:r>
+              <a:rPr lang="en-US" dirty="0"/>
+              <a:t>The pattern would look as follows:</a:t>
+            </a:r>
+          </a:p>
+          <a:p>
+            <a:pPr marL="457046" lvl="1" indent="0">
+              <a:buNone/>
+            </a:pPr>
+            <a:endParaRPr lang="en-US" dirty="0"/>
+          </a:p>
+          <a:p>
+            <a:pPr marL="457046" lvl="1" indent="0">
+              <a:buNone/>
+            </a:pPr>
+            <a:r>
+              <a:rPr lang="en-US" dirty="0" err="1"/>
+              <a:t>r'^album</a:t>
+            </a:r>
+            <a:r>
+              <a:rPr lang="en-US" dirty="0"/>
+              <a:t>/(?P&lt;name&gt;[A-</a:t>
+            </a:r>
+            <a:r>
+              <a:rPr lang="en-US" dirty="0" err="1"/>
+              <a:t>Za</a:t>
+            </a:r>
+            <a:r>
+              <a:rPr lang="en-US"/>
+              <a:t>-z</a:t>
+            </a:r>
+            <a:r>
+              <a:rPr lang="en-US" smtClean="0"/>
+              <a:t>]+)'</a:t>
             </a:r>
             <a:endParaRPr lang="en-US" dirty="0"/>
           </a:p>
@@ -9662,7 +9780,7 @@
     </p:spTree>
     <p:extLst>
       <p:ext uri="{BB962C8B-B14F-4D97-AF65-F5344CB8AC3E}">
-        <p14:creationId xmlns:p14="http://schemas.microsoft.com/office/powerpoint/2010/main" val="2892002611"/>
+        <p14:creationId xmlns:p14="http://schemas.microsoft.com/office/powerpoint/2010/main" val="3606753571"/>
       </p:ext>
     </p:extLst>
   </p:cSld>
@@ -9696,10 +9814,591 @@
           <a:chExt cx="0" cy="0"/>
         </a:xfrm>
       </p:grpSpPr>
+      <p:sp>
+        <p:nvSpPr>
+          <p:cNvPr id="4" name="Title 3"/>
+          <p:cNvSpPr>
+            <a:spLocks noGrp="1"/>
+          </p:cNvSpPr>
+          <p:nvPr>
+            <p:ph type="title"/>
+          </p:nvPr>
+        </p:nvSpPr>
+        <p:spPr/>
+        <p:txBody>
+          <a:bodyPr/>
+          <a:lstStyle/>
+          <a:p>
+            <a:r>
+              <a:rPr lang="en-US" dirty="0" smtClean="0"/>
+              <a:t>Adding parameters</a:t>
+            </a:r>
+            <a:endParaRPr lang="en-US" dirty="0"/>
+          </a:p>
+        </p:txBody>
+      </p:sp>
     </p:spTree>
     <p:extLst>
       <p:ext uri="{BB962C8B-B14F-4D97-AF65-F5344CB8AC3E}">
-        <p14:creationId xmlns:p14="http://schemas.microsoft.com/office/powerpoint/2010/main" val="898363405"/>
+        <p14:creationId xmlns:p14="http://schemas.microsoft.com/office/powerpoint/2010/main" val="2892002611"/>
+      </p:ext>
+    </p:extLst>
+  </p:cSld>
+  <p:clrMapOvr>
+    <a:masterClrMapping/>
+  </p:clrMapOvr>
+  <p:timing>
+    <p:tnLst>
+      <p:par>
+        <p:cTn id="1" dur="indefinite" restart="never" nodeType="tmRoot"/>
+      </p:par>
+    </p:tnLst>
+  </p:timing>
+</p:sld>
+</file>
+
+<file path=ppt/slides/slide36.xml><?xml version="1.0" encoding="utf-8"?>
+<p:sld xmlns:a="http://schemas.openxmlformats.org/drawingml/2006/main" xmlns:r="http://schemas.openxmlformats.org/officeDocument/2006/relationships" xmlns:p="http://schemas.openxmlformats.org/presentationml/2006/main">
+  <p:cSld>
+    <p:spTree>
+      <p:nvGrpSpPr>
+        <p:cNvPr id="1" name=""/>
+        <p:cNvGrpSpPr/>
+        <p:nvPr/>
+      </p:nvGrpSpPr>
+      <p:grpSpPr>
+        <a:xfrm>
+          <a:off x="0" y="0"/>
+          <a:ext cx="0" cy="0"/>
+          <a:chOff x="0" y="0"/>
+          <a:chExt cx="0" cy="0"/>
+        </a:xfrm>
+      </p:grpSpPr>
+      <p:sp>
+        <p:nvSpPr>
+          <p:cNvPr id="5" name="Text Placeholder 4"/>
+          <p:cNvSpPr>
+            <a:spLocks noGrp="1"/>
+          </p:cNvSpPr>
+          <p:nvPr>
+            <p:ph type="body" sz="quarter" idx="10"/>
+          </p:nvPr>
+        </p:nvSpPr>
+        <p:spPr/>
+        <p:txBody>
+          <a:bodyPr/>
+          <a:lstStyle/>
+          <a:p>
+            <a:r>
+              <a:rPr lang="en-US" dirty="0"/>
+              <a:t>Executing code for the user</a:t>
+            </a:r>
+          </a:p>
+        </p:txBody>
+      </p:sp>
+      <p:sp>
+        <p:nvSpPr>
+          <p:cNvPr id="4" name="Subtitle 3"/>
+          <p:cNvSpPr>
+            <a:spLocks noGrp="1"/>
+          </p:cNvSpPr>
+          <p:nvPr>
+            <p:ph type="subTitle" idx="1"/>
+          </p:nvPr>
+        </p:nvSpPr>
+        <p:spPr/>
+        <p:txBody>
+          <a:bodyPr/>
+          <a:lstStyle/>
+          <a:p>
+            <a:endParaRPr lang="en-US" dirty="0"/>
+          </a:p>
+        </p:txBody>
+      </p:sp>
+    </p:spTree>
+    <p:extLst>
+      <p:ext uri="{BB962C8B-B14F-4D97-AF65-F5344CB8AC3E}">
+        <p14:creationId xmlns:p14="http://schemas.microsoft.com/office/powerpoint/2010/main" val="3729114770"/>
+      </p:ext>
+    </p:extLst>
+  </p:cSld>
+  <p:clrMapOvr>
+    <a:masterClrMapping/>
+  </p:clrMapOvr>
+  <p:timing>
+    <p:tnLst>
+      <p:par>
+        <p:cTn id="1" dur="indefinite" restart="never" nodeType="tmRoot"/>
+      </p:par>
+    </p:tnLst>
+  </p:timing>
+</p:sld>
+</file>
+
+<file path=ppt/slides/slide37.xml><?xml version="1.0" encoding="utf-8"?>
+<p:sld xmlns:a="http://schemas.openxmlformats.org/drawingml/2006/main" xmlns:r="http://schemas.openxmlformats.org/officeDocument/2006/relationships" xmlns:p="http://schemas.openxmlformats.org/presentationml/2006/main">
+  <p:cSld>
+    <p:spTree>
+      <p:nvGrpSpPr>
+        <p:cNvPr id="1" name=""/>
+        <p:cNvGrpSpPr/>
+        <p:nvPr/>
+      </p:nvGrpSpPr>
+      <p:grpSpPr>
+        <a:xfrm>
+          <a:off x="0" y="0"/>
+          <a:ext cx="0" cy="0"/>
+          <a:chOff x="0" y="0"/>
+          <a:chExt cx="0" cy="0"/>
+        </a:xfrm>
+      </p:grpSpPr>
+      <p:sp>
+        <p:nvSpPr>
+          <p:cNvPr id="4" name="Title 3"/>
+          <p:cNvSpPr>
+            <a:spLocks noGrp="1"/>
+          </p:cNvSpPr>
+          <p:nvPr>
+            <p:ph type="title"/>
+          </p:nvPr>
+        </p:nvSpPr>
+        <p:spPr/>
+        <p:txBody>
+          <a:bodyPr/>
+          <a:lstStyle/>
+          <a:p>
+            <a:r>
+              <a:rPr lang="en-US" dirty="0" smtClean="0"/>
+              <a:t>At the end of the day...</a:t>
+            </a:r>
+            <a:endParaRPr lang="en-US" dirty="0"/>
+          </a:p>
+        </p:txBody>
+      </p:sp>
+      <p:sp>
+        <p:nvSpPr>
+          <p:cNvPr id="5" name="Content Placeholder 4"/>
+          <p:cNvSpPr>
+            <a:spLocks noGrp="1"/>
+          </p:cNvSpPr>
+          <p:nvPr>
+            <p:ph sz="quarter" idx="10"/>
+          </p:nvPr>
+        </p:nvSpPr>
+        <p:spPr/>
+        <p:txBody>
+          <a:bodyPr/>
+          <a:lstStyle/>
+          <a:p>
+            <a:r>
+              <a:rPr lang="en-US" dirty="0" smtClean="0"/>
+              <a:t>The user is simply calling a method</a:t>
+            </a:r>
+          </a:p>
+          <a:p>
+            <a:endParaRPr lang="en-US" dirty="0"/>
+          </a:p>
+          <a:p>
+            <a:r>
+              <a:rPr lang="en-US" dirty="0" smtClean="0"/>
+              <a:t>As a result, all we need to do is create a method</a:t>
+            </a:r>
+            <a:endParaRPr lang="en-US" dirty="0"/>
+          </a:p>
+        </p:txBody>
+      </p:sp>
+    </p:spTree>
+    <p:extLst>
+      <p:ext uri="{BB962C8B-B14F-4D97-AF65-F5344CB8AC3E}">
+        <p14:creationId xmlns:p14="http://schemas.microsoft.com/office/powerpoint/2010/main" val="2755496805"/>
+      </p:ext>
+    </p:extLst>
+  </p:cSld>
+  <p:clrMapOvr>
+    <a:masterClrMapping/>
+  </p:clrMapOvr>
+  <p:timing>
+    <p:tnLst>
+      <p:par>
+        <p:cTn id="1" dur="indefinite" restart="never" nodeType="tmRoot"/>
+      </p:par>
+    </p:tnLst>
+  </p:timing>
+</p:sld>
+</file>
+
+<file path=ppt/slides/slide38.xml><?xml version="1.0" encoding="utf-8"?>
+<p:sld xmlns:a="http://schemas.openxmlformats.org/drawingml/2006/main" xmlns:r="http://schemas.openxmlformats.org/officeDocument/2006/relationships" xmlns:p="http://schemas.openxmlformats.org/presentationml/2006/main">
+  <p:cSld>
+    <p:spTree>
+      <p:nvGrpSpPr>
+        <p:cNvPr id="1" name=""/>
+        <p:cNvGrpSpPr/>
+        <p:nvPr/>
+      </p:nvGrpSpPr>
+      <p:grpSpPr>
+        <a:xfrm>
+          <a:off x="0" y="0"/>
+          <a:ext cx="0" cy="0"/>
+          <a:chOff x="0" y="0"/>
+          <a:chExt cx="0" cy="0"/>
+        </a:xfrm>
+      </p:grpSpPr>
+      <p:sp>
+        <p:nvSpPr>
+          <p:cNvPr id="2" name="Title 1"/>
+          <p:cNvSpPr>
+            <a:spLocks noGrp="1"/>
+          </p:cNvSpPr>
+          <p:nvPr>
+            <p:ph type="title"/>
+          </p:nvPr>
+        </p:nvSpPr>
+        <p:spPr/>
+        <p:txBody>
+          <a:bodyPr/>
+          <a:lstStyle/>
+          <a:p>
+            <a:r>
+              <a:rPr lang="en-US" dirty="0" smtClean="0"/>
+              <a:t>What does the method need to look like?</a:t>
+            </a:r>
+            <a:endParaRPr lang="en-US" dirty="0"/>
+          </a:p>
+        </p:txBody>
+      </p:sp>
+      <p:sp>
+        <p:nvSpPr>
+          <p:cNvPr id="3" name="Content Placeholder 2"/>
+          <p:cNvSpPr>
+            <a:spLocks noGrp="1"/>
+          </p:cNvSpPr>
+          <p:nvPr>
+            <p:ph sz="quarter" idx="10"/>
+          </p:nvPr>
+        </p:nvSpPr>
+        <p:spPr/>
+        <p:txBody>
+          <a:bodyPr/>
+          <a:lstStyle/>
+          <a:p>
+            <a:pPr marL="0" indent="0" algn="ctr">
+              <a:buNone/>
+            </a:pPr>
+            <a:r>
+              <a:rPr lang="en-US" dirty="0" err="1" smtClean="0">
+                <a:latin typeface="Consolas" panose="020B0609020204030204" pitchFamily="49" charset="0"/>
+                <a:cs typeface="Consolas" panose="020B0609020204030204" pitchFamily="49" charset="0"/>
+              </a:rPr>
+              <a:t>def</a:t>
+            </a:r>
+            <a:r>
+              <a:rPr lang="en-US" dirty="0" smtClean="0">
+                <a:latin typeface="Consolas" panose="020B0609020204030204" pitchFamily="49" charset="0"/>
+                <a:cs typeface="Consolas" panose="020B0609020204030204" pitchFamily="49" charset="0"/>
+              </a:rPr>
+              <a:t> name(request, </a:t>
+            </a:r>
+            <a:r>
+              <a:rPr lang="en-US" i="1" dirty="0" err="1" smtClean="0">
+                <a:latin typeface="Consolas" panose="020B0609020204030204" pitchFamily="49" charset="0"/>
+                <a:cs typeface="Consolas" panose="020B0609020204030204" pitchFamily="49" charset="0"/>
+              </a:rPr>
+              <a:t>optional_parameters</a:t>
+            </a:r>
+            <a:r>
+              <a:rPr lang="en-US" dirty="0" smtClean="0">
+                <a:latin typeface="Consolas" panose="020B0609020204030204" pitchFamily="49" charset="0"/>
+                <a:cs typeface="Consolas" panose="020B0609020204030204" pitchFamily="49" charset="0"/>
+              </a:rPr>
+              <a:t>)</a:t>
+            </a:r>
+          </a:p>
+          <a:p>
+            <a:endParaRPr lang="en-US" dirty="0" smtClean="0"/>
+          </a:p>
+          <a:p>
+            <a:r>
+              <a:rPr lang="en-US" dirty="0" smtClean="0"/>
+              <a:t>The first parameter contains the request object, which has information about the data sent by the user</a:t>
+            </a:r>
+            <a:endParaRPr lang="en-US" dirty="0"/>
+          </a:p>
+          <a:p>
+            <a:r>
+              <a:rPr lang="en-US" dirty="0" smtClean="0"/>
+              <a:t>Additional parameters can be added</a:t>
+            </a:r>
+            <a:endParaRPr lang="en-US" dirty="0"/>
+          </a:p>
+          <a:p>
+            <a:endParaRPr lang="en-US" dirty="0" err="1" smtClean="0">
+              <a:latin typeface="Consolas" panose="020B0609020204030204" pitchFamily="49" charset="0"/>
+              <a:cs typeface="Consolas" panose="020B0609020204030204" pitchFamily="49" charset="0"/>
+            </a:endParaRPr>
+          </a:p>
+        </p:txBody>
+      </p:sp>
+    </p:spTree>
+    <p:extLst>
+      <p:ext uri="{BB962C8B-B14F-4D97-AF65-F5344CB8AC3E}">
+        <p14:creationId xmlns:p14="http://schemas.microsoft.com/office/powerpoint/2010/main" val="37205714"/>
+      </p:ext>
+    </p:extLst>
+  </p:cSld>
+  <p:clrMapOvr>
+    <a:masterClrMapping/>
+  </p:clrMapOvr>
+  <p:timing>
+    <p:tnLst>
+      <p:par>
+        <p:cTn id="1" dur="indefinite" restart="never" nodeType="tmRoot"/>
+      </p:par>
+    </p:tnLst>
+  </p:timing>
+</p:sld>
+</file>
+
+<file path=ppt/slides/slide39.xml><?xml version="1.0" encoding="utf-8"?>
+<p:sld xmlns:a="http://schemas.openxmlformats.org/drawingml/2006/main" xmlns:r="http://schemas.openxmlformats.org/officeDocument/2006/relationships" xmlns:p="http://schemas.openxmlformats.org/presentationml/2006/main">
+  <p:cSld>
+    <p:spTree>
+      <p:nvGrpSpPr>
+        <p:cNvPr id="1" name=""/>
+        <p:cNvGrpSpPr/>
+        <p:nvPr/>
+      </p:nvGrpSpPr>
+      <p:grpSpPr>
+        <a:xfrm>
+          <a:off x="0" y="0"/>
+          <a:ext cx="0" cy="0"/>
+          <a:chOff x="0" y="0"/>
+          <a:chExt cx="0" cy="0"/>
+        </a:xfrm>
+      </p:grpSpPr>
+      <p:sp>
+        <p:nvSpPr>
+          <p:cNvPr id="2" name="Title 1"/>
+          <p:cNvSpPr>
+            <a:spLocks noGrp="1"/>
+          </p:cNvSpPr>
+          <p:nvPr>
+            <p:ph type="title"/>
+          </p:nvPr>
+        </p:nvSpPr>
+        <p:spPr/>
+        <p:txBody>
+          <a:bodyPr/>
+          <a:lstStyle/>
+          <a:p>
+            <a:r>
+              <a:rPr lang="en-US" dirty="0" smtClean="0"/>
+              <a:t>How do we send data to the user?</a:t>
+            </a:r>
+            <a:endParaRPr lang="en-US" dirty="0"/>
+          </a:p>
+        </p:txBody>
+      </p:sp>
+      <p:sp>
+        <p:nvSpPr>
+          <p:cNvPr id="3" name="Content Placeholder 2"/>
+          <p:cNvSpPr>
+            <a:spLocks noGrp="1"/>
+          </p:cNvSpPr>
+          <p:nvPr>
+            <p:ph sz="quarter" idx="10"/>
+          </p:nvPr>
+        </p:nvSpPr>
+        <p:spPr/>
+        <p:txBody>
+          <a:bodyPr/>
+          <a:lstStyle/>
+          <a:p>
+            <a:r>
+              <a:rPr lang="en-US" dirty="0" smtClean="0"/>
+              <a:t>Return </a:t>
+            </a:r>
+            <a:r>
+              <a:rPr lang="en-US" dirty="0" err="1" smtClean="0"/>
+              <a:t>HttpResponse</a:t>
+            </a:r>
+            <a:r>
+              <a:rPr lang="en-US" dirty="0" smtClean="0"/>
+              <a:t> to send HTML and HTTP status codes</a:t>
+            </a:r>
+          </a:p>
+          <a:p>
+            <a:pPr marL="0" indent="0">
+              <a:buNone/>
+            </a:pPr>
+            <a:endParaRPr lang="en-US" dirty="0" smtClean="0"/>
+          </a:p>
+          <a:p>
+            <a:endParaRPr lang="en-US" dirty="0" smtClean="0"/>
+          </a:p>
+          <a:p>
+            <a:r>
+              <a:rPr lang="en-US" dirty="0"/>
+              <a:t>Return</a:t>
+            </a:r>
+            <a:r>
+              <a:rPr lang="en-US" dirty="0" smtClean="0"/>
+              <a:t> </a:t>
+            </a:r>
+            <a:r>
+              <a:rPr lang="en-US" dirty="0" err="1" smtClean="0"/>
+              <a:t>HttpResponseNotFound</a:t>
+            </a:r>
+            <a:r>
+              <a:rPr lang="en-US" dirty="0" smtClean="0"/>
+              <a:t> to send a custom 404 error</a:t>
+            </a:r>
+            <a:endParaRPr lang="en-US" dirty="0"/>
+          </a:p>
+        </p:txBody>
+      </p:sp>
+      <p:sp>
+        <p:nvSpPr>
+          <p:cNvPr id="4" name="Rounded Rectangle 3"/>
+          <p:cNvSpPr/>
+          <p:nvPr/>
+        </p:nvSpPr>
+        <p:spPr>
+          <a:xfrm>
+            <a:off x="1087396" y="2133599"/>
+            <a:ext cx="9094572" cy="634314"/>
+          </a:xfrm>
+          <a:prstGeom prst="roundRect">
+            <a:avLst/>
+          </a:prstGeom>
+        </p:spPr>
+        <p:style>
+          <a:lnRef idx="1">
+            <a:schemeClr val="accent3"/>
+          </a:lnRef>
+          <a:fillRef idx="2">
+            <a:schemeClr val="accent3"/>
+          </a:fillRef>
+          <a:effectRef idx="1">
+            <a:schemeClr val="accent3"/>
+          </a:effectRef>
+          <a:fontRef idx="minor">
+            <a:schemeClr val="dk1"/>
+          </a:fontRef>
+        </p:style>
+        <p:txBody>
+          <a:bodyPr rtlCol="0" anchor="ctr"/>
+          <a:lstStyle/>
+          <a:p>
+            <a:pPr algn="ctr"/>
+            <a:r>
+              <a:rPr lang="en-US" dirty="0">
+                <a:latin typeface="Consolas" panose="020B0609020204030204" pitchFamily="49" charset="0"/>
+                <a:cs typeface="Consolas" panose="020B0609020204030204" pitchFamily="49" charset="0"/>
+              </a:rPr>
+              <a:t>r</a:t>
+            </a:r>
+            <a:r>
+              <a:rPr lang="en-US" dirty="0" smtClean="0">
+                <a:latin typeface="Consolas" panose="020B0609020204030204" pitchFamily="49" charset="0"/>
+                <a:cs typeface="Consolas" panose="020B0609020204030204" pitchFamily="49" charset="0"/>
+              </a:rPr>
+              <a:t>eturn </a:t>
+            </a:r>
+            <a:r>
+              <a:rPr lang="en-US" dirty="0" err="1" smtClean="0">
+                <a:latin typeface="Consolas" panose="020B0609020204030204" pitchFamily="49" charset="0"/>
+                <a:cs typeface="Consolas" panose="020B0609020204030204" pitchFamily="49" charset="0"/>
+              </a:rPr>
+              <a:t>HttpResponse</a:t>
+            </a:r>
+            <a:r>
+              <a:rPr lang="en-US" dirty="0" smtClean="0">
+                <a:latin typeface="Consolas" panose="020B0609020204030204" pitchFamily="49" charset="0"/>
+                <a:cs typeface="Consolas" panose="020B0609020204030204" pitchFamily="49" charset="0"/>
+              </a:rPr>
+              <a:t>('&lt;html&gt;&lt;body&gt;Hello, Django!&lt;/body&gt;&lt;/html&gt;')</a:t>
+            </a:r>
+            <a:endParaRPr lang="en-US" dirty="0">
+              <a:latin typeface="Consolas" panose="020B0609020204030204" pitchFamily="49" charset="0"/>
+              <a:cs typeface="Consolas" panose="020B0609020204030204" pitchFamily="49" charset="0"/>
+            </a:endParaRPr>
+          </a:p>
+        </p:txBody>
+      </p:sp>
+      <p:sp>
+        <p:nvSpPr>
+          <p:cNvPr id="5" name="Rounded Rectangle 4"/>
+          <p:cNvSpPr/>
+          <p:nvPr/>
+        </p:nvSpPr>
+        <p:spPr>
+          <a:xfrm>
+            <a:off x="1087396" y="4197178"/>
+            <a:ext cx="9094572" cy="634314"/>
+          </a:xfrm>
+          <a:prstGeom prst="roundRect">
+            <a:avLst/>
+          </a:prstGeom>
+        </p:spPr>
+        <p:style>
+          <a:lnRef idx="1">
+            <a:schemeClr val="accent3"/>
+          </a:lnRef>
+          <a:fillRef idx="2">
+            <a:schemeClr val="accent3"/>
+          </a:fillRef>
+          <a:effectRef idx="1">
+            <a:schemeClr val="accent3"/>
+          </a:effectRef>
+          <a:fontRef idx="minor">
+            <a:schemeClr val="dk1"/>
+          </a:fontRef>
+        </p:style>
+        <p:txBody>
+          <a:bodyPr rtlCol="0" anchor="ctr"/>
+          <a:lstStyle/>
+          <a:p>
+            <a:pPr algn="ctr"/>
+            <a:r>
+              <a:rPr lang="en-US" dirty="0">
+                <a:latin typeface="Consolas" panose="020B0609020204030204" pitchFamily="49" charset="0"/>
+                <a:cs typeface="Consolas" panose="020B0609020204030204" pitchFamily="49" charset="0"/>
+              </a:rPr>
+              <a:t>r</a:t>
+            </a:r>
+            <a:r>
+              <a:rPr lang="en-US" dirty="0" smtClean="0">
+                <a:latin typeface="Consolas" panose="020B0609020204030204" pitchFamily="49" charset="0"/>
+                <a:cs typeface="Consolas" panose="020B0609020204030204" pitchFamily="49" charset="0"/>
+              </a:rPr>
+              <a:t>eturn </a:t>
+            </a:r>
+            <a:r>
+              <a:rPr lang="en-US" dirty="0" err="1" smtClean="0">
+                <a:latin typeface="Consolas" panose="020B0609020204030204" pitchFamily="49" charset="0"/>
+                <a:cs typeface="Consolas" panose="020B0609020204030204" pitchFamily="49" charset="0"/>
+              </a:rPr>
+              <a:t>HttpResponseNotFound</a:t>
+            </a:r>
+            <a:r>
+              <a:rPr lang="en-US" dirty="0" smtClean="0">
+                <a:latin typeface="Consolas" panose="020B0609020204030204" pitchFamily="49" charset="0"/>
+                <a:cs typeface="Consolas" panose="020B0609020204030204" pitchFamily="49" charset="0"/>
+              </a:rPr>
+              <a:t>('&lt;html&gt;&lt;body&gt;you seem lost&lt;/body&gt;&lt;/html&gt;')</a:t>
+            </a:r>
+            <a:endParaRPr lang="en-US" dirty="0">
+              <a:latin typeface="Consolas" panose="020B0609020204030204" pitchFamily="49" charset="0"/>
+              <a:cs typeface="Consolas" panose="020B0609020204030204" pitchFamily="49" charset="0"/>
+            </a:endParaRPr>
+          </a:p>
+        </p:txBody>
+      </p:sp>
+    </p:spTree>
+    <p:extLst>
+      <p:ext uri="{BB962C8B-B14F-4D97-AF65-F5344CB8AC3E}">
+        <p14:creationId xmlns:p14="http://schemas.microsoft.com/office/powerpoint/2010/main" val="1570812619"/>
       </p:ext>
     </p:extLst>
   </p:cSld>
@@ -9950,6 +10649,103 @@
     <p:extLst>
       <p:ext uri="{BB962C8B-B14F-4D97-AF65-F5344CB8AC3E}">
         <p14:creationId xmlns:p14="http://schemas.microsoft.com/office/powerpoint/2010/main" val="16390677"/>
+      </p:ext>
+    </p:extLst>
+  </p:cSld>
+  <p:clrMapOvr>
+    <a:masterClrMapping/>
+  </p:clrMapOvr>
+  <p:timing>
+    <p:tnLst>
+      <p:par>
+        <p:cTn id="1" dur="indefinite" restart="never" nodeType="tmRoot"/>
+      </p:par>
+    </p:tnLst>
+  </p:timing>
+</p:sld>
+</file>
+
+<file path=ppt/slides/slide40.xml><?xml version="1.0" encoding="utf-8"?>
+<p:sld xmlns:a="http://schemas.openxmlformats.org/drawingml/2006/main" xmlns:r="http://schemas.openxmlformats.org/officeDocument/2006/relationships" xmlns:p="http://schemas.openxmlformats.org/presentationml/2006/main">
+  <p:cSld>
+    <p:spTree>
+      <p:nvGrpSpPr>
+        <p:cNvPr id="1" name=""/>
+        <p:cNvGrpSpPr/>
+        <p:nvPr/>
+      </p:nvGrpSpPr>
+      <p:grpSpPr>
+        <a:xfrm>
+          <a:off x="0" y="0"/>
+          <a:ext cx="0" cy="0"/>
+          <a:chOff x="0" y="0"/>
+          <a:chExt cx="0" cy="0"/>
+        </a:xfrm>
+      </p:grpSpPr>
+      <p:sp>
+        <p:nvSpPr>
+          <p:cNvPr id="4" name="Title 3"/>
+          <p:cNvSpPr>
+            <a:spLocks noGrp="1"/>
+          </p:cNvSpPr>
+          <p:nvPr>
+            <p:ph type="title"/>
+          </p:nvPr>
+        </p:nvSpPr>
+        <p:spPr/>
+        <p:txBody>
+          <a:bodyPr/>
+          <a:lstStyle/>
+          <a:p>
+            <a:r>
+              <a:rPr lang="en-US" dirty="0" smtClean="0"/>
+              <a:t>Creating a Hello, Django page</a:t>
+            </a:r>
+            <a:endParaRPr lang="en-US" dirty="0"/>
+          </a:p>
+        </p:txBody>
+      </p:sp>
+    </p:spTree>
+    <p:extLst>
+      <p:ext uri="{BB962C8B-B14F-4D97-AF65-F5344CB8AC3E}">
+        <p14:creationId xmlns:p14="http://schemas.microsoft.com/office/powerpoint/2010/main" val="1891297651"/>
+      </p:ext>
+    </p:extLst>
+  </p:cSld>
+  <p:clrMapOvr>
+    <a:masterClrMapping/>
+  </p:clrMapOvr>
+  <p:timing>
+    <p:tnLst>
+      <p:par>
+        <p:cTn id="1" dur="indefinite" restart="never" nodeType="tmRoot"/>
+      </p:par>
+    </p:tnLst>
+  </p:timing>
+</p:sld>
+</file>
+
+<file path=ppt/slides/slide41.xml><?xml version="1.0" encoding="utf-8"?>
+<p:sld xmlns:a="http://schemas.openxmlformats.org/drawingml/2006/main" xmlns:r="http://schemas.openxmlformats.org/officeDocument/2006/relationships" xmlns:p="http://schemas.openxmlformats.org/presentationml/2006/main">
+  <p:cSld>
+    <p:spTree>
+      <p:nvGrpSpPr>
+        <p:cNvPr id="1" name=""/>
+        <p:cNvGrpSpPr/>
+        <p:nvPr/>
+      </p:nvGrpSpPr>
+      <p:grpSpPr>
+        <a:xfrm>
+          <a:off x="0" y="0"/>
+          <a:ext cx="0" cy="0"/>
+          <a:chOff x="0" y="0"/>
+          <a:chExt cx="0" cy="0"/>
+        </a:xfrm>
+      </p:grpSpPr>
+    </p:spTree>
+    <p:extLst>
+      <p:ext uri="{BB962C8B-B14F-4D97-AF65-F5344CB8AC3E}">
+        <p14:creationId xmlns:p14="http://schemas.microsoft.com/office/powerpoint/2010/main" val="898363405"/>
       </p:ext>
     </p:extLst>
   </p:cSld>
@@ -10222,7 +11018,11 @@
             <a:pPr algn="ctr"/>
             <a:r>
               <a:rPr lang="en-US" sz="2400" dirty="0" smtClean="0"/>
-              <a:t>http://www.adventure-works.com/details.asp?bikeid=42</a:t>
+              <a:t>http://</a:t>
+            </a:r>
+            <a:r>
+              <a:rPr lang="en-US" sz="2400" dirty="0" smtClean="0"/>
+              <a:t>www.contoso.com/details.asp?albumid=42</a:t>
             </a:r>
             <a:endParaRPr lang="en-US" sz="2400" dirty="0"/>
           </a:p>
@@ -10236,7 +11036,7 @@
         </p:nvSpPr>
         <p:spPr>
           <a:xfrm>
-            <a:off x="749643" y="2096884"/>
+            <a:off x="749642" y="2096884"/>
             <a:ext cx="8905103" cy="716692"/>
           </a:xfrm>
           <a:prstGeom prst="roundRect">
@@ -10264,7 +11064,11 @@
             <a:pPr algn="ctr"/>
             <a:r>
               <a:rPr lang="en-US" sz="2400" dirty="0" smtClean="0"/>
-              <a:t>http://www.adventure-works.com/albums/wish</a:t>
+              <a:t>http://</a:t>
+            </a:r>
+            <a:r>
+              <a:rPr lang="en-US" sz="2400" dirty="0" smtClean="0"/>
+              <a:t>www.contoso.com/albums/wish</a:t>
             </a:r>
             <a:endParaRPr lang="en-US" sz="2400" dirty="0"/>
           </a:p>
